--- a/transportadora/doc/Gestão de transportadora.pptx
+++ b/transportadora/doc/Gestão de transportadora.pptx
@@ -6,26 +6,28 @@
   </p:sldMasterIdLst>
   <p:sldIdLst>
     <p:sldId id="256" r:id="rId2"/>
-    <p:sldId id="257" r:id="rId3"/>
-    <p:sldId id="258" r:id="rId4"/>
-    <p:sldId id="259" r:id="rId5"/>
-    <p:sldId id="260" r:id="rId6"/>
-    <p:sldId id="261" r:id="rId7"/>
+    <p:sldId id="279" r:id="rId3"/>
+    <p:sldId id="280" r:id="rId4"/>
+    <p:sldId id="281" r:id="rId5"/>
+    <p:sldId id="261" r:id="rId6"/>
+    <p:sldId id="288" r:id="rId7"/>
     <p:sldId id="262" r:id="rId8"/>
     <p:sldId id="263" r:id="rId9"/>
     <p:sldId id="277" r:id="rId10"/>
-    <p:sldId id="264" r:id="rId11"/>
-    <p:sldId id="265" r:id="rId12"/>
-    <p:sldId id="266" r:id="rId13"/>
-    <p:sldId id="267" r:id="rId14"/>
-    <p:sldId id="268" r:id="rId15"/>
-    <p:sldId id="269" r:id="rId16"/>
-    <p:sldId id="270" r:id="rId17"/>
-    <p:sldId id="271" r:id="rId18"/>
-    <p:sldId id="272" r:id="rId19"/>
-    <p:sldId id="273" r:id="rId20"/>
-    <p:sldId id="274" r:id="rId21"/>
-    <p:sldId id="275" r:id="rId22"/>
+    <p:sldId id="278" r:id="rId11"/>
+    <p:sldId id="257" r:id="rId12"/>
+    <p:sldId id="258" r:id="rId13"/>
+    <p:sldId id="259" r:id="rId14"/>
+    <p:sldId id="264" r:id="rId15"/>
+    <p:sldId id="265" r:id="rId16"/>
+    <p:sldId id="282" r:id="rId17"/>
+    <p:sldId id="287" r:id="rId18"/>
+    <p:sldId id="286" r:id="rId19"/>
+    <p:sldId id="285" r:id="rId20"/>
+    <p:sldId id="284" r:id="rId21"/>
+    <p:sldId id="283" r:id="rId22"/>
+    <p:sldId id="274" r:id="rId23"/>
+    <p:sldId id="275" r:id="rId24"/>
   </p:sldIdLst>
   <p:sldSz cx="12192000" cy="6858000"/>
   <p:notesSz cx="6858000" cy="9144000"/>
@@ -182,7 +184,7 @@
           <a:noFill/>
           <a:extLst>
             <a:ext uri="{909E8E84-426E-40dd-AFC4-6F175D3DCCD1}">
-              <a14:hiddenFill xmlns="" xmlns:a14="http://schemas.microsoft.com/office/drawing/2010/main">
+              <a14:hiddenFill xmlns:a14="http://schemas.microsoft.com/office/drawing/2010/main" xmlns="">
                 <a:solidFill>
                   <a:srgbClr val="FFFFFF"/>
                 </a:solidFill>
@@ -242,7 +244,7 @@
             </a:ln>
             <a:extLst>
               <a:ext uri="{91240B29-F687-4f45-9708-019B960494DF}">
-                <a14:hiddenLine xmlns="" xmlns:a14="http://schemas.microsoft.com/office/drawing/2010/main" w="9525">
+                <a14:hiddenLine xmlns:a14="http://schemas.microsoft.com/office/drawing/2010/main" xmlns="" w="9525">
                   <a:solidFill>
                     <a:srgbClr val="000000"/>
                   </a:solidFill>
@@ -332,7 +334,7 @@
             </a:ln>
             <a:extLst>
               <a:ext uri="{91240B29-F687-4f45-9708-019B960494DF}">
-                <a14:hiddenLine xmlns="" xmlns:a14="http://schemas.microsoft.com/office/drawing/2010/main" w="9525">
+                <a14:hiddenLine xmlns:a14="http://schemas.microsoft.com/office/drawing/2010/main" xmlns="" w="9525">
                   <a:solidFill>
                     <a:srgbClr val="000000"/>
                   </a:solidFill>
@@ -422,7 +424,7 @@
             </a:ln>
             <a:extLst>
               <a:ext uri="{91240B29-F687-4f45-9708-019B960494DF}">
-                <a14:hiddenLine xmlns="" xmlns:a14="http://schemas.microsoft.com/office/drawing/2010/main" w="9525">
+                <a14:hiddenLine xmlns:a14="http://schemas.microsoft.com/office/drawing/2010/main" xmlns="" w="9525">
                   <a:solidFill>
                     <a:srgbClr val="000000"/>
                   </a:solidFill>
@@ -456,7 +458,7 @@
             </a:ln>
             <a:extLst>
               <a:ext uri="{91240B29-F687-4f45-9708-019B960494DF}">
-                <a14:hiddenLine xmlns="" xmlns:a14="http://schemas.microsoft.com/office/drawing/2010/main" w="9525">
+                <a14:hiddenLine xmlns:a14="http://schemas.microsoft.com/office/drawing/2010/main" xmlns="" w="9525">
                   <a:solidFill>
                     <a:srgbClr val="000000"/>
                   </a:solidFill>
@@ -546,7 +548,7 @@
             </a:ln>
             <a:extLst>
               <a:ext uri="{91240B29-F687-4f45-9708-019B960494DF}">
-                <a14:hiddenLine xmlns="" xmlns:a14="http://schemas.microsoft.com/office/drawing/2010/main" w="9525">
+                <a14:hiddenLine xmlns:a14="http://schemas.microsoft.com/office/drawing/2010/main" xmlns="" w="9525">
                   <a:solidFill>
                     <a:srgbClr val="000000"/>
                   </a:solidFill>
@@ -608,7 +610,7 @@
             </a:ln>
             <a:extLst>
               <a:ext uri="{91240B29-F687-4f45-9708-019B960494DF}">
-                <a14:hiddenLine xmlns="" xmlns:a14="http://schemas.microsoft.com/office/drawing/2010/main" w="9525">
+                <a14:hiddenLine xmlns:a14="http://schemas.microsoft.com/office/drawing/2010/main" xmlns="" w="9525">
                   <a:solidFill>
                     <a:srgbClr val="000000"/>
                   </a:solidFill>
@@ -670,7 +672,7 @@
             </a:ln>
             <a:extLst>
               <a:ext uri="{91240B29-F687-4f45-9708-019B960494DF}">
-                <a14:hiddenLine xmlns="" xmlns:a14="http://schemas.microsoft.com/office/drawing/2010/main" w="9525">
+                <a14:hiddenLine xmlns:a14="http://schemas.microsoft.com/office/drawing/2010/main" xmlns="" w="9525">
                   <a:solidFill>
                     <a:srgbClr val="000000"/>
                   </a:solidFill>
@@ -760,7 +762,7 @@
             </a:ln>
             <a:extLst>
               <a:ext uri="{91240B29-F687-4f45-9708-019B960494DF}">
-                <a14:hiddenLine xmlns="" xmlns:a14="http://schemas.microsoft.com/office/drawing/2010/main" w="9525">
+                <a14:hiddenLine xmlns:a14="http://schemas.microsoft.com/office/drawing/2010/main" xmlns="" w="9525">
                   <a:solidFill>
                     <a:srgbClr val="000000"/>
                   </a:solidFill>
@@ -822,7 +824,7 @@
             </a:ln>
             <a:extLst>
               <a:ext uri="{91240B29-F687-4f45-9708-019B960494DF}">
-                <a14:hiddenLine xmlns="" xmlns:a14="http://schemas.microsoft.com/office/drawing/2010/main" w="9525">
+                <a14:hiddenLine xmlns:a14="http://schemas.microsoft.com/office/drawing/2010/main" xmlns="" w="9525">
                   <a:solidFill>
                     <a:srgbClr val="000000"/>
                   </a:solidFill>
@@ -884,7 +886,7 @@
             </a:ln>
             <a:extLst>
               <a:ext uri="{91240B29-F687-4f45-9708-019B960494DF}">
-                <a14:hiddenLine xmlns="" xmlns:a14="http://schemas.microsoft.com/office/drawing/2010/main" w="9525">
+                <a14:hiddenLine xmlns:a14="http://schemas.microsoft.com/office/drawing/2010/main" xmlns="" w="9525">
                   <a:solidFill>
                     <a:srgbClr val="000000"/>
                   </a:solidFill>
@@ -974,7 +976,7 @@
             </a:ln>
             <a:extLst>
               <a:ext uri="{91240B29-F687-4f45-9708-019B960494DF}">
-                <a14:hiddenLine xmlns="" xmlns:a14="http://schemas.microsoft.com/office/drawing/2010/main" w="9525">
+                <a14:hiddenLine xmlns:a14="http://schemas.microsoft.com/office/drawing/2010/main" xmlns="" w="9525">
                   <a:solidFill>
                     <a:srgbClr val="000000"/>
                   </a:solidFill>
@@ -1064,7 +1066,7 @@
             </a:ln>
             <a:extLst>
               <a:ext uri="{91240B29-F687-4f45-9708-019B960494DF}">
-                <a14:hiddenLine xmlns="" xmlns:a14="http://schemas.microsoft.com/office/drawing/2010/main" w="9525">
+                <a14:hiddenLine xmlns:a14="http://schemas.microsoft.com/office/drawing/2010/main" xmlns="" w="9525">
                   <a:solidFill>
                     <a:srgbClr val="000000"/>
                   </a:solidFill>
@@ -1126,7 +1128,7 @@
             </a:ln>
             <a:extLst>
               <a:ext uri="{91240B29-F687-4f45-9708-019B960494DF}">
-                <a14:hiddenLine xmlns="" xmlns:a14="http://schemas.microsoft.com/office/drawing/2010/main" w="9525">
+                <a14:hiddenLine xmlns:a14="http://schemas.microsoft.com/office/drawing/2010/main" xmlns="" w="9525">
                   <a:solidFill>
                     <a:srgbClr val="000000"/>
                   </a:solidFill>
@@ -1236,7 +1238,7 @@
             </a:ln>
             <a:extLst>
               <a:ext uri="{91240B29-F687-4f45-9708-019B960494DF}">
-                <a14:hiddenLine xmlns="" xmlns:a14="http://schemas.microsoft.com/office/drawing/2010/main" w="9525">
+                <a14:hiddenLine xmlns:a14="http://schemas.microsoft.com/office/drawing/2010/main" xmlns="" w="9525">
                   <a:solidFill>
                     <a:srgbClr val="000000"/>
                   </a:solidFill>
@@ -1298,7 +1300,7 @@
             </a:ln>
             <a:extLst>
               <a:ext uri="{91240B29-F687-4f45-9708-019B960494DF}">
-                <a14:hiddenLine xmlns="" xmlns:a14="http://schemas.microsoft.com/office/drawing/2010/main" w="9525">
+                <a14:hiddenLine xmlns:a14="http://schemas.microsoft.com/office/drawing/2010/main" xmlns="" w="9525">
                   <a:solidFill>
                     <a:srgbClr val="000000"/>
                   </a:solidFill>
@@ -1388,7 +1390,7 @@
             </a:ln>
             <a:extLst>
               <a:ext uri="{91240B29-F687-4f45-9708-019B960494DF}">
-                <a14:hiddenLine xmlns="" xmlns:a14="http://schemas.microsoft.com/office/drawing/2010/main" w="9525">
+                <a14:hiddenLine xmlns:a14="http://schemas.microsoft.com/office/drawing/2010/main" xmlns="" w="9525">
                   <a:solidFill>
                     <a:srgbClr val="000000"/>
                   </a:solidFill>
@@ -1478,7 +1480,7 @@
             </a:ln>
             <a:extLst>
               <a:ext uri="{91240B29-F687-4f45-9708-019B960494DF}">
-                <a14:hiddenLine xmlns="" xmlns:a14="http://schemas.microsoft.com/office/drawing/2010/main" w="9525">
+                <a14:hiddenLine xmlns:a14="http://schemas.microsoft.com/office/drawing/2010/main" xmlns="" w="9525">
                   <a:solidFill>
                     <a:srgbClr val="000000"/>
                   </a:solidFill>
@@ -1540,7 +1542,7 @@
             </a:ln>
             <a:extLst>
               <a:ext uri="{91240B29-F687-4f45-9708-019B960494DF}">
-                <a14:hiddenLine xmlns="" xmlns:a14="http://schemas.microsoft.com/office/drawing/2010/main" w="9525">
+                <a14:hiddenLine xmlns:a14="http://schemas.microsoft.com/office/drawing/2010/main" xmlns="" w="9525">
                   <a:solidFill>
                     <a:srgbClr val="000000"/>
                   </a:solidFill>
@@ -1630,7 +1632,7 @@
             </a:ln>
             <a:extLst>
               <a:ext uri="{91240B29-F687-4f45-9708-019B960494DF}">
-                <a14:hiddenLine xmlns="" xmlns:a14="http://schemas.microsoft.com/office/drawing/2010/main" w="9525">
+                <a14:hiddenLine xmlns:a14="http://schemas.microsoft.com/office/drawing/2010/main" xmlns="" w="9525">
                   <a:solidFill>
                     <a:srgbClr val="000000"/>
                   </a:solidFill>
@@ -1720,7 +1722,7 @@
             </a:ln>
             <a:extLst>
               <a:ext uri="{91240B29-F687-4f45-9708-019B960494DF}">
-                <a14:hiddenLine xmlns="" xmlns:a14="http://schemas.microsoft.com/office/drawing/2010/main" w="9525">
+                <a14:hiddenLine xmlns:a14="http://schemas.microsoft.com/office/drawing/2010/main" xmlns="" w="9525">
                   <a:solidFill>
                     <a:srgbClr val="000000"/>
                   </a:solidFill>
@@ -1776,7 +1778,7 @@
             </a:ln>
             <a:extLst>
               <a:ext uri="{91240B29-F687-4f45-9708-019B960494DF}">
-                <a14:hiddenLine xmlns="" xmlns:a14="http://schemas.microsoft.com/office/drawing/2010/main" w="9525">
+                <a14:hiddenLine xmlns:a14="http://schemas.microsoft.com/office/drawing/2010/main" xmlns="" w="9525">
                   <a:solidFill>
                     <a:srgbClr val="000000"/>
                   </a:solidFill>
@@ -1866,7 +1868,7 @@
             </a:ln>
             <a:extLst>
               <a:ext uri="{91240B29-F687-4f45-9708-019B960494DF}">
-                <a14:hiddenLine xmlns="" xmlns:a14="http://schemas.microsoft.com/office/drawing/2010/main" w="9525">
+                <a14:hiddenLine xmlns:a14="http://schemas.microsoft.com/office/drawing/2010/main" xmlns="" w="9525">
                   <a:solidFill>
                     <a:srgbClr val="000000"/>
                   </a:solidFill>
@@ -1922,7 +1924,7 @@
             </a:ln>
             <a:extLst>
               <a:ext uri="{91240B29-F687-4f45-9708-019B960494DF}">
-                <a14:hiddenLine xmlns="" xmlns:a14="http://schemas.microsoft.com/office/drawing/2010/main" w="9525">
+                <a14:hiddenLine xmlns:a14="http://schemas.microsoft.com/office/drawing/2010/main" xmlns="" w="9525">
                   <a:solidFill>
                     <a:srgbClr val="000000"/>
                   </a:solidFill>
@@ -2012,7 +2014,7 @@
             </a:ln>
             <a:extLst>
               <a:ext uri="{91240B29-F687-4f45-9708-019B960494DF}">
-                <a14:hiddenLine xmlns="" xmlns:a14="http://schemas.microsoft.com/office/drawing/2010/main" w="9525">
+                <a14:hiddenLine xmlns:a14="http://schemas.microsoft.com/office/drawing/2010/main" xmlns="" w="9525">
                   <a:solidFill>
                     <a:srgbClr val="000000"/>
                   </a:solidFill>
@@ -2080,7 +2082,7 @@
             </a:ln>
             <a:extLst>
               <a:ext uri="{91240B29-F687-4f45-9708-019B960494DF}">
-                <a14:hiddenLine xmlns="" xmlns:a14="http://schemas.microsoft.com/office/drawing/2010/main" w="9525">
+                <a14:hiddenLine xmlns:a14="http://schemas.microsoft.com/office/drawing/2010/main" xmlns="" w="9525">
                   <a:solidFill>
                     <a:srgbClr val="000000"/>
                   </a:solidFill>
@@ -2170,7 +2172,7 @@
             </a:ln>
             <a:extLst>
               <a:ext uri="{91240B29-F687-4f45-9708-019B960494DF}">
-                <a14:hiddenLine xmlns="" xmlns:a14="http://schemas.microsoft.com/office/drawing/2010/main" w="9525">
+                <a14:hiddenLine xmlns:a14="http://schemas.microsoft.com/office/drawing/2010/main" xmlns="" w="9525">
                   <a:solidFill>
                     <a:srgbClr val="000000"/>
                   </a:solidFill>
@@ -2238,7 +2240,7 @@
             </a:ln>
             <a:extLst>
               <a:ext uri="{91240B29-F687-4f45-9708-019B960494DF}">
-                <a14:hiddenLine xmlns="" xmlns:a14="http://schemas.microsoft.com/office/drawing/2010/main" w="9525">
+                <a14:hiddenLine xmlns:a14="http://schemas.microsoft.com/office/drawing/2010/main" xmlns="" w="9525">
                   <a:solidFill>
                     <a:srgbClr val="000000"/>
                   </a:solidFill>
@@ -2328,7 +2330,7 @@
             </a:ln>
             <a:extLst>
               <a:ext uri="{91240B29-F687-4f45-9708-019B960494DF}">
-                <a14:hiddenLine xmlns="" xmlns:a14="http://schemas.microsoft.com/office/drawing/2010/main" w="9525">
+                <a14:hiddenLine xmlns:a14="http://schemas.microsoft.com/office/drawing/2010/main" xmlns="" w="9525">
                   <a:solidFill>
                     <a:srgbClr val="000000"/>
                   </a:solidFill>
@@ -2362,7 +2364,7 @@
             </a:ln>
             <a:extLst>
               <a:ext uri="{91240B29-F687-4f45-9708-019B960494DF}">
-                <a14:hiddenLine xmlns="" xmlns:a14="http://schemas.microsoft.com/office/drawing/2010/main" w="9525">
+                <a14:hiddenLine xmlns:a14="http://schemas.microsoft.com/office/drawing/2010/main" xmlns="" w="9525">
                   <a:solidFill>
                     <a:srgbClr val="000000"/>
                   </a:solidFill>
@@ -2452,7 +2454,7 @@
             </a:ln>
             <a:extLst>
               <a:ext uri="{91240B29-F687-4f45-9708-019B960494DF}">
-                <a14:hiddenLine xmlns="" xmlns:a14="http://schemas.microsoft.com/office/drawing/2010/main" w="9525">
+                <a14:hiddenLine xmlns:a14="http://schemas.microsoft.com/office/drawing/2010/main" xmlns="" w="9525">
                   <a:solidFill>
                     <a:srgbClr val="000000"/>
                   </a:solidFill>
@@ -2514,7 +2516,7 @@
             </a:ln>
             <a:extLst>
               <a:ext uri="{91240B29-F687-4f45-9708-019B960494DF}">
-                <a14:hiddenLine xmlns="" xmlns:a14="http://schemas.microsoft.com/office/drawing/2010/main" w="9525">
+                <a14:hiddenLine xmlns:a14="http://schemas.microsoft.com/office/drawing/2010/main" xmlns="" w="9525">
                   <a:solidFill>
                     <a:srgbClr val="000000"/>
                   </a:solidFill>
@@ -2576,7 +2578,7 @@
             </a:ln>
             <a:extLst>
               <a:ext uri="{91240B29-F687-4f45-9708-019B960494DF}">
-                <a14:hiddenLine xmlns="" xmlns:a14="http://schemas.microsoft.com/office/drawing/2010/main" w="9525">
+                <a14:hiddenLine xmlns:a14="http://schemas.microsoft.com/office/drawing/2010/main" xmlns="" w="9525">
                   <a:solidFill>
                     <a:srgbClr val="000000"/>
                   </a:solidFill>
@@ -2666,7 +2668,7 @@
             </a:ln>
             <a:extLst>
               <a:ext uri="{91240B29-F687-4f45-9708-019B960494DF}">
-                <a14:hiddenLine xmlns="" xmlns:a14="http://schemas.microsoft.com/office/drawing/2010/main" w="9525">
+                <a14:hiddenLine xmlns:a14="http://schemas.microsoft.com/office/drawing/2010/main" xmlns="" w="9525">
                   <a:solidFill>
                     <a:srgbClr val="000000"/>
                   </a:solidFill>
@@ -2734,7 +2736,7 @@
             </a:ln>
             <a:extLst>
               <a:ext uri="{91240B29-F687-4f45-9708-019B960494DF}">
-                <a14:hiddenLine xmlns="" xmlns:a14="http://schemas.microsoft.com/office/drawing/2010/main" w="9525">
+                <a14:hiddenLine xmlns:a14="http://schemas.microsoft.com/office/drawing/2010/main" xmlns="" w="9525">
                   <a:solidFill>
                     <a:srgbClr val="000000"/>
                   </a:solidFill>
@@ -2796,7 +2798,7 @@
             </a:ln>
             <a:extLst>
               <a:ext uri="{91240B29-F687-4f45-9708-019B960494DF}">
-                <a14:hiddenLine xmlns="" xmlns:a14="http://schemas.microsoft.com/office/drawing/2010/main" w="9525">
+                <a14:hiddenLine xmlns:a14="http://schemas.microsoft.com/office/drawing/2010/main" xmlns="" w="9525">
                   <a:solidFill>
                     <a:srgbClr val="000000"/>
                   </a:solidFill>
@@ -2886,7 +2888,7 @@
             </a:ln>
             <a:extLst>
               <a:ext uri="{91240B29-F687-4f45-9708-019B960494DF}">
-                <a14:hiddenLine xmlns="" xmlns:a14="http://schemas.microsoft.com/office/drawing/2010/main" w="9525">
+                <a14:hiddenLine xmlns:a14="http://schemas.microsoft.com/office/drawing/2010/main" xmlns="" w="9525">
                   <a:solidFill>
                     <a:srgbClr val="000000"/>
                   </a:solidFill>
@@ -2948,7 +2950,7 @@
             </a:ln>
             <a:extLst>
               <a:ext uri="{91240B29-F687-4f45-9708-019B960494DF}">
-                <a14:hiddenLine xmlns="" xmlns:a14="http://schemas.microsoft.com/office/drawing/2010/main" w="9525">
+                <a14:hiddenLine xmlns:a14="http://schemas.microsoft.com/office/drawing/2010/main" xmlns="" w="9525">
                   <a:solidFill>
                     <a:srgbClr val="000000"/>
                   </a:solidFill>
@@ -3038,7 +3040,7 @@
             </a:ln>
             <a:extLst>
               <a:ext uri="{91240B29-F687-4f45-9708-019B960494DF}">
-                <a14:hiddenLine xmlns="" xmlns:a14="http://schemas.microsoft.com/office/drawing/2010/main" w="9525">
+                <a14:hiddenLine xmlns:a14="http://schemas.microsoft.com/office/drawing/2010/main" xmlns="" w="9525">
                   <a:solidFill>
                     <a:srgbClr val="000000"/>
                   </a:solidFill>
@@ -3100,7 +3102,7 @@
             </a:ln>
             <a:extLst>
               <a:ext uri="{91240B29-F687-4f45-9708-019B960494DF}">
-                <a14:hiddenLine xmlns="" xmlns:a14="http://schemas.microsoft.com/office/drawing/2010/main" w="9525">
+                <a14:hiddenLine xmlns:a14="http://schemas.microsoft.com/office/drawing/2010/main" xmlns="" w="9525">
                   <a:solidFill>
                     <a:srgbClr val="000000"/>
                   </a:solidFill>
@@ -3190,7 +3192,7 @@
             </a:ln>
             <a:extLst>
               <a:ext uri="{91240B29-F687-4f45-9708-019B960494DF}">
-                <a14:hiddenLine xmlns="" xmlns:a14="http://schemas.microsoft.com/office/drawing/2010/main" w="9525">
+                <a14:hiddenLine xmlns:a14="http://schemas.microsoft.com/office/drawing/2010/main" xmlns="" w="9525">
                   <a:solidFill>
                     <a:srgbClr val="000000"/>
                   </a:solidFill>
@@ -3224,7 +3226,7 @@
             </a:ln>
             <a:extLst>
               <a:ext uri="{91240B29-F687-4f45-9708-019B960494DF}">
-                <a14:hiddenLine xmlns="" xmlns:a14="http://schemas.microsoft.com/office/drawing/2010/main" w="9525">
+                <a14:hiddenLine xmlns:a14="http://schemas.microsoft.com/office/drawing/2010/main" xmlns="" w="9525">
                   <a:solidFill>
                     <a:srgbClr val="000000"/>
                   </a:solidFill>
@@ -3289,7 +3291,7 @@
             </a:ln>
             <a:extLst>
               <a:ext uri="{91240B29-F687-4f45-9708-019B960494DF}">
-                <a14:hiddenLine xmlns="" xmlns:a14="http://schemas.microsoft.com/office/drawing/2010/main" w="9525">
+                <a14:hiddenLine xmlns:a14="http://schemas.microsoft.com/office/drawing/2010/main" xmlns="" w="9525">
                   <a:solidFill>
                     <a:srgbClr val="000000"/>
                   </a:solidFill>
@@ -3379,7 +3381,7 @@
             </a:ln>
             <a:extLst>
               <a:ext uri="{91240B29-F687-4f45-9708-019B960494DF}">
-                <a14:hiddenLine xmlns="" xmlns:a14="http://schemas.microsoft.com/office/drawing/2010/main" w="9525">
+                <a14:hiddenLine xmlns:a14="http://schemas.microsoft.com/office/drawing/2010/main" xmlns="" w="9525">
                   <a:solidFill>
                     <a:srgbClr val="000000"/>
                   </a:solidFill>
@@ -3441,7 +3443,7 @@
             </a:ln>
             <a:extLst>
               <a:ext uri="{91240B29-F687-4f45-9708-019B960494DF}">
-                <a14:hiddenLine xmlns="" xmlns:a14="http://schemas.microsoft.com/office/drawing/2010/main" w="9525">
+                <a14:hiddenLine xmlns:a14="http://schemas.microsoft.com/office/drawing/2010/main" xmlns="" w="9525">
                   <a:solidFill>
                     <a:srgbClr val="000000"/>
                   </a:solidFill>
@@ -3531,7 +3533,7 @@
             </a:ln>
             <a:extLst>
               <a:ext uri="{91240B29-F687-4f45-9708-019B960494DF}">
-                <a14:hiddenLine xmlns="" xmlns:a14="http://schemas.microsoft.com/office/drawing/2010/main" w="9525">
+                <a14:hiddenLine xmlns:a14="http://schemas.microsoft.com/office/drawing/2010/main" xmlns="" w="9525">
                   <a:solidFill>
                     <a:srgbClr val="000000"/>
                   </a:solidFill>
@@ -3621,7 +3623,7 @@
             </a:ln>
             <a:extLst>
               <a:ext uri="{91240B29-F687-4f45-9708-019B960494DF}">
-                <a14:hiddenLine xmlns="" xmlns:a14="http://schemas.microsoft.com/office/drawing/2010/main" w="9525">
+                <a14:hiddenLine xmlns:a14="http://schemas.microsoft.com/office/drawing/2010/main" xmlns="" w="9525">
                   <a:solidFill>
                     <a:srgbClr val="000000"/>
                   </a:solidFill>
@@ -3686,7 +3688,7 @@
             </a:ln>
             <a:extLst>
               <a:ext uri="{91240B29-F687-4f45-9708-019B960494DF}">
-                <a14:hiddenLine xmlns="" xmlns:a14="http://schemas.microsoft.com/office/drawing/2010/main" w="9525">
+                <a14:hiddenLine xmlns:a14="http://schemas.microsoft.com/office/drawing/2010/main" xmlns="" w="9525">
                   <a:solidFill>
                     <a:srgbClr val="000000"/>
                   </a:solidFill>
@@ -3748,7 +3750,7 @@
             </a:ln>
             <a:extLst>
               <a:ext uri="{91240B29-F687-4f45-9708-019B960494DF}">
-                <a14:hiddenLine xmlns="" xmlns:a14="http://schemas.microsoft.com/office/drawing/2010/main" w="9525">
+                <a14:hiddenLine xmlns:a14="http://schemas.microsoft.com/office/drawing/2010/main" xmlns="" w="9525">
                   <a:solidFill>
                     <a:srgbClr val="000000"/>
                   </a:solidFill>
@@ -3838,7 +3840,7 @@
             </a:ln>
             <a:extLst>
               <a:ext uri="{91240B29-F687-4f45-9708-019B960494DF}">
-                <a14:hiddenLine xmlns="" xmlns:a14="http://schemas.microsoft.com/office/drawing/2010/main" w="9525">
+                <a14:hiddenLine xmlns:a14="http://schemas.microsoft.com/office/drawing/2010/main" xmlns="" w="9525">
                   <a:solidFill>
                     <a:srgbClr val="000000"/>
                   </a:solidFill>
@@ -3928,7 +3930,7 @@
             </a:ln>
             <a:extLst>
               <a:ext uri="{91240B29-F687-4f45-9708-019B960494DF}">
-                <a14:hiddenLine xmlns="" xmlns:a14="http://schemas.microsoft.com/office/drawing/2010/main" w="9525">
+                <a14:hiddenLine xmlns:a14="http://schemas.microsoft.com/office/drawing/2010/main" xmlns="" w="9525">
                   <a:solidFill>
                     <a:srgbClr val="000000"/>
                   </a:solidFill>
@@ -3990,7 +3992,7 @@
             </a:ln>
             <a:extLst>
               <a:ext uri="{91240B29-F687-4f45-9708-019B960494DF}">
-                <a14:hiddenLine xmlns="" xmlns:a14="http://schemas.microsoft.com/office/drawing/2010/main" w="9525">
+                <a14:hiddenLine xmlns:a14="http://schemas.microsoft.com/office/drawing/2010/main" xmlns="" w="9525">
                   <a:solidFill>
                     <a:srgbClr val="000000"/>
                   </a:solidFill>
@@ -4110,7 +4112,7 @@
             </a:ln>
             <a:extLst>
               <a:ext uri="{91240B29-F687-4f45-9708-019B960494DF}">
-                <a14:hiddenLine xmlns="" xmlns:a14="http://schemas.microsoft.com/office/drawing/2010/main" w="9525">
+                <a14:hiddenLine xmlns:a14="http://schemas.microsoft.com/office/drawing/2010/main" xmlns="" w="9525">
                   <a:solidFill>
                     <a:srgbClr val="000000"/>
                   </a:solidFill>
@@ -4178,7 +4180,7 @@
             </a:ln>
             <a:extLst>
               <a:ext uri="{91240B29-F687-4f45-9708-019B960494DF}">
-                <a14:hiddenLine xmlns="" xmlns:a14="http://schemas.microsoft.com/office/drawing/2010/main" w="9525">
+                <a14:hiddenLine xmlns:a14="http://schemas.microsoft.com/office/drawing/2010/main" xmlns="" w="9525">
                   <a:solidFill>
                     <a:srgbClr val="000000"/>
                   </a:solidFill>
@@ -4268,7 +4270,7 @@
             </a:ln>
             <a:extLst>
               <a:ext uri="{91240B29-F687-4f45-9708-019B960494DF}">
-                <a14:hiddenLine xmlns="" xmlns:a14="http://schemas.microsoft.com/office/drawing/2010/main" w="9525">
+                <a14:hiddenLine xmlns:a14="http://schemas.microsoft.com/office/drawing/2010/main" xmlns="" w="9525">
                   <a:solidFill>
                     <a:srgbClr val="000000"/>
                   </a:solidFill>
@@ -4408,7 +4410,7 @@
           <a:p>
             <a:fld id="{48A87A34-81AB-432B-8DAE-1953F412C126}" type="datetimeFigureOut">
               <a:rPr lang="en-US" dirty="0"/>
-              <a:t>7/17/2025</a:t>
+              <a:t>7/24/2025</a:t>
             </a:fld>
             <a:endParaRPr lang="en-US" dirty="0"/>
           </a:p>
@@ -4670,7 +4672,7 @@
           <a:p>
             <a:fld id="{48A87A34-81AB-432B-8DAE-1953F412C126}" type="datetimeFigureOut">
               <a:rPr lang="en-US" dirty="0"/>
-              <a:t>7/17/2025</a:t>
+              <a:t>7/24/2025</a:t>
             </a:fld>
             <a:endParaRPr lang="en-US" dirty="0"/>
           </a:p>
@@ -4861,7 +4863,7 @@
           <a:p>
             <a:fld id="{48A87A34-81AB-432B-8DAE-1953F412C126}" type="datetimeFigureOut">
               <a:rPr lang="en-US" dirty="0"/>
-              <a:t>7/17/2025</a:t>
+              <a:t>7/24/2025</a:t>
             </a:fld>
             <a:endParaRPr lang="en-US" dirty="0"/>
           </a:p>
@@ -5119,7 +5121,7 @@
           <a:p>
             <a:fld id="{48A87A34-81AB-432B-8DAE-1953F412C126}" type="datetimeFigureOut">
               <a:rPr lang="en-US" dirty="0"/>
-              <a:t>7/17/2025</a:t>
+              <a:t>7/24/2025</a:t>
             </a:fld>
             <a:endParaRPr lang="en-US" dirty="0"/>
           </a:p>
@@ -5548,7 +5550,7 @@
           <a:p>
             <a:fld id="{48A87A34-81AB-432B-8DAE-1953F412C126}" type="datetimeFigureOut">
               <a:rPr lang="en-US" dirty="0"/>
-              <a:t>7/17/2025</a:t>
+              <a:t>7/24/2025</a:t>
             </a:fld>
             <a:endParaRPr lang="en-US" dirty="0"/>
           </a:p>
@@ -6089,7 +6091,7 @@
           <a:p>
             <a:fld id="{48A87A34-81AB-432B-8DAE-1953F412C126}" type="datetimeFigureOut">
               <a:rPr lang="en-US" dirty="0"/>
-              <a:t>7/17/2025</a:t>
+              <a:t>7/24/2025</a:t>
             </a:fld>
             <a:endParaRPr lang="en-US" dirty="0"/>
           </a:p>
@@ -6804,7 +6806,7 @@
           <a:p>
             <a:fld id="{48A87A34-81AB-432B-8DAE-1953F412C126}" type="datetimeFigureOut">
               <a:rPr lang="en-US" dirty="0"/>
-              <a:t>7/17/2025</a:t>
+              <a:t>7/24/2025</a:t>
             </a:fld>
             <a:endParaRPr lang="en-US" dirty="0"/>
           </a:p>
@@ -6969,7 +6971,7 @@
           <a:p>
             <a:fld id="{48A87A34-81AB-432B-8DAE-1953F412C126}" type="datetimeFigureOut">
               <a:rPr lang="en-US" dirty="0"/>
-              <a:t>7/17/2025</a:t>
+              <a:t>7/24/2025</a:t>
             </a:fld>
             <a:endParaRPr lang="en-US" dirty="0"/>
           </a:p>
@@ -7144,7 +7146,7 @@
           <a:p>
             <a:fld id="{48A87A34-81AB-432B-8DAE-1953F412C126}" type="datetimeFigureOut">
               <a:rPr lang="en-US" dirty="0"/>
-              <a:t>7/17/2025</a:t>
+              <a:t>7/24/2025</a:t>
             </a:fld>
             <a:endParaRPr lang="en-US" dirty="0"/>
           </a:p>
@@ -7309,7 +7311,7 @@
           <a:p>
             <a:fld id="{48A87A34-81AB-432B-8DAE-1953F412C126}" type="datetimeFigureOut">
               <a:rPr lang="en-US" dirty="0"/>
-              <a:t>7/17/2025</a:t>
+              <a:t>7/24/2025</a:t>
             </a:fld>
             <a:endParaRPr lang="en-US" dirty="0"/>
           </a:p>
@@ -7554,7 +7556,7 @@
           <a:p>
             <a:fld id="{48A87A34-81AB-432B-8DAE-1953F412C126}" type="datetimeFigureOut">
               <a:rPr lang="en-US" dirty="0"/>
-              <a:t>7/17/2025</a:t>
+              <a:t>7/24/2025</a:t>
             </a:fld>
             <a:endParaRPr lang="en-US" dirty="0"/>
           </a:p>
@@ -7781,7 +7783,7 @@
           <a:p>
             <a:fld id="{48A87A34-81AB-432B-8DAE-1953F412C126}" type="datetimeFigureOut">
               <a:rPr lang="en-US" dirty="0"/>
-              <a:t>7/17/2025</a:t>
+              <a:t>7/24/2025</a:t>
             </a:fld>
             <a:endParaRPr lang="en-US" dirty="0"/>
           </a:p>
@@ -8157,7 +8159,7 @@
           <a:p>
             <a:fld id="{48A87A34-81AB-432B-8DAE-1953F412C126}" type="datetimeFigureOut">
               <a:rPr lang="en-US" dirty="0"/>
-              <a:t>7/17/2025</a:t>
+              <a:t>7/24/2025</a:t>
             </a:fld>
             <a:endParaRPr lang="en-US" dirty="0"/>
           </a:p>
@@ -8270,7 +8272,7 @@
           <a:p>
             <a:fld id="{48A87A34-81AB-432B-8DAE-1953F412C126}" type="datetimeFigureOut">
               <a:rPr lang="en-US" dirty="0"/>
-              <a:t>7/17/2025</a:t>
+              <a:t>7/24/2025</a:t>
             </a:fld>
             <a:endParaRPr lang="en-US" dirty="0"/>
           </a:p>
@@ -8360,7 +8362,7 @@
           <a:p>
             <a:fld id="{48A87A34-81AB-432B-8DAE-1953F412C126}" type="datetimeFigureOut">
               <a:rPr lang="en-US" dirty="0"/>
-              <a:t>7/17/2025</a:t>
+              <a:t>7/24/2025</a:t>
             </a:fld>
             <a:endParaRPr lang="en-US" dirty="0"/>
           </a:p>
@@ -8604,7 +8606,7 @@
           <a:p>
             <a:fld id="{48A87A34-81AB-432B-8DAE-1953F412C126}" type="datetimeFigureOut">
               <a:rPr lang="en-US" dirty="0"/>
-              <a:t>7/17/2025</a:t>
+              <a:t>7/24/2025</a:t>
             </a:fld>
             <a:endParaRPr lang="en-US" dirty="0"/>
           </a:p>
@@ -8879,7 +8881,7 @@
           <a:p>
             <a:fld id="{48A87A34-81AB-432B-8DAE-1953F412C126}" type="datetimeFigureOut">
               <a:rPr lang="en-US" dirty="0"/>
-              <a:t>7/17/2025</a:t>
+              <a:t>7/24/2025</a:t>
             </a:fld>
             <a:endParaRPr lang="en-US" dirty="0"/>
           </a:p>
@@ -8990,7 +8992,7 @@
           <a:noFill/>
           <a:extLst>
             <a:ext uri="{909E8E84-426E-40dd-AFC4-6F175D3DCCD1}">
-              <a14:hiddenFill xmlns="" xmlns:a14="http://schemas.microsoft.com/office/drawing/2010/main">
+              <a14:hiddenFill xmlns:a14="http://schemas.microsoft.com/office/drawing/2010/main" xmlns="">
                 <a:solidFill>
                   <a:srgbClr val="FFFFFF"/>
                 </a:solidFill>
@@ -9064,7 +9066,7 @@
               </a:ln>
               <a:extLst>
                 <a:ext uri="{91240B29-F687-4f45-9708-019B960494DF}">
-                  <a14:hiddenLine xmlns="" xmlns:a14="http://schemas.microsoft.com/office/drawing/2010/main" w="9525">
+                  <a14:hiddenLine xmlns:a14="http://schemas.microsoft.com/office/drawing/2010/main" xmlns="" w="9525">
                     <a:solidFill>
                       <a:srgbClr val="000000"/>
                     </a:solidFill>
@@ -9154,7 +9156,7 @@
               </a:ln>
               <a:extLst>
                 <a:ext uri="{91240B29-F687-4f45-9708-019B960494DF}">
-                  <a14:hiddenLine xmlns="" xmlns:a14="http://schemas.microsoft.com/office/drawing/2010/main" w="9525">
+                  <a14:hiddenLine xmlns:a14="http://schemas.microsoft.com/office/drawing/2010/main" xmlns="" w="9525">
                     <a:solidFill>
                       <a:srgbClr val="000000"/>
                     </a:solidFill>
@@ -9244,7 +9246,7 @@
               </a:ln>
               <a:extLst>
                 <a:ext uri="{91240B29-F687-4f45-9708-019B960494DF}">
-                  <a14:hiddenLine xmlns="" xmlns:a14="http://schemas.microsoft.com/office/drawing/2010/main" w="9525">
+                  <a14:hiddenLine xmlns:a14="http://schemas.microsoft.com/office/drawing/2010/main" xmlns="" w="9525">
                     <a:solidFill>
                       <a:srgbClr val="000000"/>
                     </a:solidFill>
@@ -9306,7 +9308,7 @@
               </a:ln>
               <a:extLst>
                 <a:ext uri="{91240B29-F687-4f45-9708-019B960494DF}">
-                  <a14:hiddenLine xmlns="" xmlns:a14="http://schemas.microsoft.com/office/drawing/2010/main" w="9525">
+                  <a14:hiddenLine xmlns:a14="http://schemas.microsoft.com/office/drawing/2010/main" xmlns="" w="9525">
                     <a:solidFill>
                       <a:srgbClr val="000000"/>
                     </a:solidFill>
@@ -9396,7 +9398,7 @@
               </a:ln>
               <a:extLst>
                 <a:ext uri="{91240B29-F687-4f45-9708-019B960494DF}">
-                  <a14:hiddenLine xmlns="" xmlns:a14="http://schemas.microsoft.com/office/drawing/2010/main" w="9525">
+                  <a14:hiddenLine xmlns:a14="http://schemas.microsoft.com/office/drawing/2010/main" xmlns="" w="9525">
                     <a:solidFill>
                       <a:srgbClr val="000000"/>
                     </a:solidFill>
@@ -9458,7 +9460,7 @@
               </a:ln>
               <a:extLst>
                 <a:ext uri="{91240B29-F687-4f45-9708-019B960494DF}">
-                  <a14:hiddenLine xmlns="" xmlns:a14="http://schemas.microsoft.com/office/drawing/2010/main" w="9525">
+                  <a14:hiddenLine xmlns:a14="http://schemas.microsoft.com/office/drawing/2010/main" xmlns="" w="9525">
                     <a:solidFill>
                       <a:srgbClr val="000000"/>
                     </a:solidFill>
@@ -9520,7 +9522,7 @@
               </a:ln>
               <a:extLst>
                 <a:ext uri="{91240B29-F687-4f45-9708-019B960494DF}">
-                  <a14:hiddenLine xmlns="" xmlns:a14="http://schemas.microsoft.com/office/drawing/2010/main" w="9525">
+                  <a14:hiddenLine xmlns:a14="http://schemas.microsoft.com/office/drawing/2010/main" xmlns="" w="9525">
                     <a:solidFill>
                       <a:srgbClr val="000000"/>
                     </a:solidFill>
@@ -9610,7 +9612,7 @@
               </a:ln>
               <a:extLst>
                 <a:ext uri="{91240B29-F687-4f45-9708-019B960494DF}">
-                  <a14:hiddenLine xmlns="" xmlns:a14="http://schemas.microsoft.com/office/drawing/2010/main" w="9525">
+                  <a14:hiddenLine xmlns:a14="http://schemas.microsoft.com/office/drawing/2010/main" xmlns="" w="9525">
                     <a:solidFill>
                       <a:srgbClr val="000000"/>
                     </a:solidFill>
@@ -9700,7 +9702,7 @@
               </a:ln>
               <a:extLst>
                 <a:ext uri="{91240B29-F687-4f45-9708-019B960494DF}">
-                  <a14:hiddenLine xmlns="" xmlns:a14="http://schemas.microsoft.com/office/drawing/2010/main" w="9525">
+                  <a14:hiddenLine xmlns:a14="http://schemas.microsoft.com/office/drawing/2010/main" xmlns="" w="9525">
                     <a:solidFill>
                       <a:srgbClr val="000000"/>
                     </a:solidFill>
@@ -9762,7 +9764,7 @@
               </a:ln>
               <a:extLst>
                 <a:ext uri="{91240B29-F687-4f45-9708-019B960494DF}">
-                  <a14:hiddenLine xmlns="" xmlns:a14="http://schemas.microsoft.com/office/drawing/2010/main" w="9525">
+                  <a14:hiddenLine xmlns:a14="http://schemas.microsoft.com/office/drawing/2010/main" xmlns="" w="9525">
                     <a:solidFill>
                       <a:srgbClr val="000000"/>
                     </a:solidFill>
@@ -9872,7 +9874,7 @@
               </a:ln>
               <a:extLst>
                 <a:ext uri="{91240B29-F687-4f45-9708-019B960494DF}">
-                  <a14:hiddenLine xmlns="" xmlns:a14="http://schemas.microsoft.com/office/drawing/2010/main" w="9525">
+                  <a14:hiddenLine xmlns:a14="http://schemas.microsoft.com/office/drawing/2010/main" xmlns="" w="9525">
                     <a:solidFill>
                       <a:srgbClr val="000000"/>
                     </a:solidFill>
@@ -9956,7 +9958,7 @@
               </a:ln>
               <a:extLst>
                 <a:ext uri="{91240B29-F687-4f45-9708-019B960494DF}">
-                  <a14:hiddenLine xmlns="" xmlns:a14="http://schemas.microsoft.com/office/drawing/2010/main" w="9525">
+                  <a14:hiddenLine xmlns:a14="http://schemas.microsoft.com/office/drawing/2010/main" xmlns="" w="9525">
                     <a:solidFill>
                       <a:srgbClr val="000000"/>
                     </a:solidFill>
@@ -10018,7 +10020,7 @@
               </a:ln>
               <a:extLst>
                 <a:ext uri="{91240B29-F687-4f45-9708-019B960494DF}">
-                  <a14:hiddenLine xmlns="" xmlns:a14="http://schemas.microsoft.com/office/drawing/2010/main" w="9525">
+                  <a14:hiddenLine xmlns:a14="http://schemas.microsoft.com/office/drawing/2010/main" xmlns="" w="9525">
                     <a:solidFill>
                       <a:srgbClr val="000000"/>
                     </a:solidFill>
@@ -10080,7 +10082,7 @@
               </a:ln>
               <a:extLst>
                 <a:ext uri="{91240B29-F687-4f45-9708-019B960494DF}">
-                  <a14:hiddenLine xmlns="" xmlns:a14="http://schemas.microsoft.com/office/drawing/2010/main" w="9525">
+                  <a14:hiddenLine xmlns:a14="http://schemas.microsoft.com/office/drawing/2010/main" xmlns="" w="9525">
                     <a:solidFill>
                       <a:srgbClr val="000000"/>
                     </a:solidFill>
@@ -10170,7 +10172,7 @@
               </a:ln>
               <a:extLst>
                 <a:ext uri="{91240B29-F687-4f45-9708-019B960494DF}">
-                  <a14:hiddenLine xmlns="" xmlns:a14="http://schemas.microsoft.com/office/drawing/2010/main" w="9525">
+                  <a14:hiddenLine xmlns:a14="http://schemas.microsoft.com/office/drawing/2010/main" xmlns="" w="9525">
                     <a:solidFill>
                       <a:srgbClr val="000000"/>
                     </a:solidFill>
@@ -10204,7 +10206,7 @@
               </a:ln>
               <a:extLst>
                 <a:ext uri="{91240B29-F687-4f45-9708-019B960494DF}">
-                  <a14:hiddenLine xmlns="" xmlns:a14="http://schemas.microsoft.com/office/drawing/2010/main" w="9525">
+                  <a14:hiddenLine xmlns:a14="http://schemas.microsoft.com/office/drawing/2010/main" xmlns="" w="9525">
                     <a:solidFill>
                       <a:srgbClr val="000000"/>
                     </a:solidFill>
@@ -10269,7 +10271,7 @@
               </a:ln>
               <a:extLst>
                 <a:ext uri="{91240B29-F687-4f45-9708-019B960494DF}">
-                  <a14:hiddenLine xmlns="" xmlns:a14="http://schemas.microsoft.com/office/drawing/2010/main" w="9525">
+                  <a14:hiddenLine xmlns:a14="http://schemas.microsoft.com/office/drawing/2010/main" xmlns="" w="9525">
                     <a:solidFill>
                       <a:srgbClr val="000000"/>
                     </a:solidFill>
@@ -10359,7 +10361,7 @@
               </a:ln>
               <a:extLst>
                 <a:ext uri="{91240B29-F687-4f45-9708-019B960494DF}">
-                  <a14:hiddenLine xmlns="" xmlns:a14="http://schemas.microsoft.com/office/drawing/2010/main" w="9525">
+                  <a14:hiddenLine xmlns:a14="http://schemas.microsoft.com/office/drawing/2010/main" xmlns="" w="9525">
                     <a:solidFill>
                       <a:srgbClr val="000000"/>
                     </a:solidFill>
@@ -10421,7 +10423,7 @@
               </a:ln>
               <a:extLst>
                 <a:ext uri="{91240B29-F687-4f45-9708-019B960494DF}">
-                  <a14:hiddenLine xmlns="" xmlns:a14="http://schemas.microsoft.com/office/drawing/2010/main" w="9525">
+                  <a14:hiddenLine xmlns:a14="http://schemas.microsoft.com/office/drawing/2010/main" xmlns="" w="9525">
                     <a:solidFill>
                       <a:srgbClr val="000000"/>
                     </a:solidFill>
@@ -10511,7 +10513,7 @@
               </a:ln>
               <a:extLst>
                 <a:ext uri="{91240B29-F687-4f45-9708-019B960494DF}">
-                  <a14:hiddenLine xmlns="" xmlns:a14="http://schemas.microsoft.com/office/drawing/2010/main" w="9525">
+                  <a14:hiddenLine xmlns:a14="http://schemas.microsoft.com/office/drawing/2010/main" xmlns="" w="9525">
                     <a:solidFill>
                       <a:srgbClr val="000000"/>
                     </a:solidFill>
@@ -10576,7 +10578,7 @@
               </a:ln>
               <a:extLst>
                 <a:ext uri="{91240B29-F687-4f45-9708-019B960494DF}">
-                  <a14:hiddenLine xmlns="" xmlns:a14="http://schemas.microsoft.com/office/drawing/2010/main" w="9525">
+                  <a14:hiddenLine xmlns:a14="http://schemas.microsoft.com/office/drawing/2010/main" xmlns="" w="9525">
                     <a:solidFill>
                       <a:srgbClr val="000000"/>
                     </a:solidFill>
@@ -10638,7 +10640,7 @@
               </a:ln>
               <a:extLst>
                 <a:ext uri="{91240B29-F687-4f45-9708-019B960494DF}">
-                  <a14:hiddenLine xmlns="" xmlns:a14="http://schemas.microsoft.com/office/drawing/2010/main" w="9525">
+                  <a14:hiddenLine xmlns:a14="http://schemas.microsoft.com/office/drawing/2010/main" xmlns="" w="9525">
                     <a:solidFill>
                       <a:srgbClr val="000000"/>
                     </a:solidFill>
@@ -10728,7 +10730,7 @@
               </a:ln>
               <a:extLst>
                 <a:ext uri="{91240B29-F687-4f45-9708-019B960494DF}">
-                  <a14:hiddenLine xmlns="" xmlns:a14="http://schemas.microsoft.com/office/drawing/2010/main" w="9525">
+                  <a14:hiddenLine xmlns:a14="http://schemas.microsoft.com/office/drawing/2010/main" xmlns="" w="9525">
                     <a:solidFill>
                       <a:srgbClr val="000000"/>
                     </a:solidFill>
@@ -10818,7 +10820,7 @@
               </a:ln>
               <a:extLst>
                 <a:ext uri="{91240B29-F687-4f45-9708-019B960494DF}">
-                  <a14:hiddenLine xmlns="" xmlns:a14="http://schemas.microsoft.com/office/drawing/2010/main" w="9525">
+                  <a14:hiddenLine xmlns:a14="http://schemas.microsoft.com/office/drawing/2010/main" xmlns="" w="9525">
                     <a:solidFill>
                       <a:srgbClr val="000000"/>
                     </a:solidFill>
@@ -10883,7 +10885,7 @@
               </a:ln>
               <a:extLst>
                 <a:ext uri="{91240B29-F687-4f45-9708-019B960494DF}">
-                  <a14:hiddenLine xmlns="" xmlns:a14="http://schemas.microsoft.com/office/drawing/2010/main" w="9525">
+                  <a14:hiddenLine xmlns:a14="http://schemas.microsoft.com/office/drawing/2010/main" xmlns="" w="9525">
                     <a:solidFill>
                       <a:srgbClr val="000000"/>
                     </a:solidFill>
@@ -11003,7 +11005,7 @@
               </a:ln>
               <a:extLst>
                 <a:ext uri="{91240B29-F687-4f45-9708-019B960494DF}">
-                  <a14:hiddenLine xmlns="" xmlns:a14="http://schemas.microsoft.com/office/drawing/2010/main" w="9525">
+                  <a14:hiddenLine xmlns:a14="http://schemas.microsoft.com/office/drawing/2010/main" xmlns="" w="9525">
                     <a:solidFill>
                       <a:srgbClr val="000000"/>
                     </a:solidFill>
@@ -11101,7 +11103,7 @@
               </a:ln>
               <a:extLst>
                 <a:ext uri="{91240B29-F687-4f45-9708-019B960494DF}">
-                  <a14:hiddenLine xmlns="" xmlns:a14="http://schemas.microsoft.com/office/drawing/2010/main" w="9525">
+                  <a14:hiddenLine xmlns:a14="http://schemas.microsoft.com/office/drawing/2010/main" xmlns="" w="9525">
                     <a:solidFill>
                       <a:srgbClr val="000000"/>
                     </a:solidFill>
@@ -11216,7 +11218,7 @@
               </a:ln>
               <a:extLst>
                 <a:ext uri="{91240B29-F687-4f45-9708-019B960494DF}">
-                  <a14:hiddenLine xmlns="" xmlns:a14="http://schemas.microsoft.com/office/drawing/2010/main" w="9525">
+                  <a14:hiddenLine xmlns:a14="http://schemas.microsoft.com/office/drawing/2010/main" xmlns="" w="9525">
                     <a:solidFill>
                       <a:srgbClr val="000000"/>
                     </a:solidFill>
@@ -11306,7 +11308,7 @@
               </a:ln>
               <a:extLst>
                 <a:ext uri="{91240B29-F687-4f45-9708-019B960494DF}">
-                  <a14:hiddenLine xmlns="" xmlns:a14="http://schemas.microsoft.com/office/drawing/2010/main" w="9525">
+                  <a14:hiddenLine xmlns:a14="http://schemas.microsoft.com/office/drawing/2010/main" xmlns="" w="9525">
                     <a:solidFill>
                       <a:srgbClr val="000000"/>
                     </a:solidFill>
@@ -11371,7 +11373,7 @@
               </a:ln>
               <a:extLst>
                 <a:ext uri="{91240B29-F687-4f45-9708-019B960494DF}">
-                  <a14:hiddenLine xmlns="" xmlns:a14="http://schemas.microsoft.com/office/drawing/2010/main" w="9525">
+                  <a14:hiddenLine xmlns:a14="http://schemas.microsoft.com/office/drawing/2010/main" xmlns="" w="9525">
                     <a:solidFill>
                       <a:srgbClr val="000000"/>
                     </a:solidFill>
@@ -11461,7 +11463,7 @@
               </a:ln>
               <a:extLst>
                 <a:ext uri="{91240B29-F687-4f45-9708-019B960494DF}">
-                  <a14:hiddenLine xmlns="" xmlns:a14="http://schemas.microsoft.com/office/drawing/2010/main" w="9525">
+                  <a14:hiddenLine xmlns:a14="http://schemas.microsoft.com/office/drawing/2010/main" xmlns="" w="9525">
                     <a:solidFill>
                       <a:srgbClr val="000000"/>
                     </a:solidFill>
@@ -11529,7 +11531,7 @@
               </a:ln>
               <a:extLst>
                 <a:ext uri="{91240B29-F687-4f45-9708-019B960494DF}">
-                  <a14:hiddenLine xmlns="" xmlns:a14="http://schemas.microsoft.com/office/drawing/2010/main" w="9525">
+                  <a14:hiddenLine xmlns:a14="http://schemas.microsoft.com/office/drawing/2010/main" xmlns="" w="9525">
                     <a:solidFill>
                       <a:srgbClr val="000000"/>
                     </a:solidFill>
@@ -11619,7 +11621,7 @@
               </a:ln>
               <a:extLst>
                 <a:ext uri="{91240B29-F687-4f45-9708-019B960494DF}">
-                  <a14:hiddenLine xmlns="" xmlns:a14="http://schemas.microsoft.com/office/drawing/2010/main" w="9525">
+                  <a14:hiddenLine xmlns:a14="http://schemas.microsoft.com/office/drawing/2010/main" xmlns="" w="9525">
                     <a:solidFill>
                       <a:srgbClr val="000000"/>
                     </a:solidFill>
@@ -11687,7 +11689,7 @@
               </a:ln>
               <a:extLst>
                 <a:ext uri="{91240B29-F687-4f45-9708-019B960494DF}">
-                  <a14:hiddenLine xmlns="" xmlns:a14="http://schemas.microsoft.com/office/drawing/2010/main" w="9525">
+                  <a14:hiddenLine xmlns:a14="http://schemas.microsoft.com/office/drawing/2010/main" xmlns="" w="9525">
                     <a:solidFill>
                       <a:srgbClr val="000000"/>
                     </a:solidFill>
@@ -11777,7 +11779,7 @@
               </a:ln>
               <a:extLst>
                 <a:ext uri="{91240B29-F687-4f45-9708-019B960494DF}">
-                  <a14:hiddenLine xmlns="" xmlns:a14="http://schemas.microsoft.com/office/drawing/2010/main" w="9525">
+                  <a14:hiddenLine xmlns:a14="http://schemas.microsoft.com/office/drawing/2010/main" xmlns="" w="9525">
                     <a:solidFill>
                       <a:srgbClr val="000000"/>
                     </a:solidFill>
@@ -11811,7 +11813,7 @@
               </a:ln>
               <a:extLst>
                 <a:ext uri="{91240B29-F687-4f45-9708-019B960494DF}">
-                  <a14:hiddenLine xmlns="" xmlns:a14="http://schemas.microsoft.com/office/drawing/2010/main" w="9525">
+                  <a14:hiddenLine xmlns:a14="http://schemas.microsoft.com/office/drawing/2010/main" xmlns="" w="9525">
                     <a:solidFill>
                       <a:srgbClr val="000000"/>
                     </a:solidFill>
@@ -11952,7 +11954,7 @@
             <a:fld id="{48A87A34-81AB-432B-8DAE-1953F412C126}" type="datetimeFigureOut">
               <a:rPr lang="en-US" dirty="0"/>
               <a:pPr/>
-              <a:t>7/17/2025</a:t>
+              <a:t>7/24/2025</a:t>
             </a:fld>
             <a:endParaRPr lang="en-US" dirty="0"/>
           </a:p>
@@ -12387,7 +12389,7 @@
         <p:spPr>
           <a:xfrm>
             <a:off x="1876424" y="1122362"/>
-            <a:ext cx="8791575" cy="2853289"/>
+            <a:ext cx="9242150" cy="2853289"/>
           </a:xfrm>
         </p:spPr>
         <p:txBody>
@@ -12398,7 +12400,7 @@
           <a:p>
             <a:pPr algn="ctr"/>
             <a:r>
-              <a:rPr lang="pt-BR" sz="7200" dirty="0"/>
+              <a:rPr lang="pt-BR" sz="7200" b="1" dirty="0"/>
               <a:t>Projeto: gestão para transportadoras</a:t>
             </a:r>
           </a:p>
@@ -12439,8 +12441,12 @@
           </a:p>
           <a:p>
             <a:r>
+              <a:rPr lang="pt-BR" b="1" dirty="0"/>
+              <a:t>Professor:</a:t>
+            </a:r>
+            <a:r>
               <a:rPr lang="pt-BR" dirty="0"/>
-              <a:t>Professor: Jean </a:t>
+              <a:t> Jean </a:t>
             </a:r>
             <a:r>
               <a:rPr lang="pt-BR" dirty="0" err="1"/>
@@ -12458,8 +12464,12 @@
           </a:p>
           <a:p>
             <a:r>
+              <a:rPr lang="pt-BR" b="1" dirty="0"/>
+              <a:t>Acadêmicos:</a:t>
+            </a:r>
+            <a:r>
               <a:rPr lang="pt-BR" dirty="0"/>
-              <a:t>Acadêmicos: </a:t>
+              <a:t> </a:t>
             </a:r>
             <a:r>
               <a:rPr lang="pt-BR" dirty="0" err="1"/>
@@ -12528,801 +12538,7 @@
           <p:cNvPr id="2" name="Título 1">
             <a:extLst>
               <a:ext uri="{FF2B5EF4-FFF2-40B4-BE49-F238E27FC236}">
-                <a16:creationId xmlns:a16="http://schemas.microsoft.com/office/drawing/2014/main" id="{12C81F97-F7E2-41A8-AACC-866F3678B65F}"/>
-              </a:ext>
-            </a:extLst>
-          </p:cNvPr>
-          <p:cNvSpPr>
-            <a:spLocks noGrp="1"/>
-          </p:cNvSpPr>
-          <p:nvPr>
-            <p:ph type="title"/>
-          </p:nvPr>
-        </p:nvSpPr>
-        <p:spPr/>
-        <p:txBody>
-          <a:bodyPr/>
-          <a:lstStyle/>
-          <a:p>
-            <a:pPr algn="ctr"/>
-            <a:r>
-              <a:rPr lang="pt-BR" dirty="0"/>
-              <a:t>Modelo Relacional do Banco de Dados</a:t>
-            </a:r>
-          </a:p>
-        </p:txBody>
-      </p:sp>
-      <p:sp>
-        <p:nvSpPr>
-          <p:cNvPr id="3" name="Espaço Reservado para Conteúdo 2">
-            <a:extLst>
-              <a:ext uri="{FF2B5EF4-FFF2-40B4-BE49-F238E27FC236}">
-                <a16:creationId xmlns:a16="http://schemas.microsoft.com/office/drawing/2014/main" id="{D35A6392-F389-4509-997E-87B4569D3A73}"/>
-              </a:ext>
-            </a:extLst>
-          </p:cNvPr>
-          <p:cNvSpPr>
-            <a:spLocks noGrp="1"/>
-          </p:cNvSpPr>
-          <p:nvPr>
-            <p:ph idx="1"/>
-          </p:nvPr>
-        </p:nvSpPr>
-        <p:spPr>
-          <a:xfrm>
-            <a:off x="1141412" y="1948070"/>
-            <a:ext cx="9905999" cy="4412973"/>
-          </a:xfrm>
-        </p:spPr>
-        <p:txBody>
-          <a:bodyPr/>
-          <a:lstStyle/>
-          <a:p>
-            <a:pPr marL="0" indent="0">
-              <a:buNone/>
-            </a:pPr>
-            <a:r>
-              <a:rPr lang="pt-BR" sz="2800" dirty="0"/>
-              <a:t>Banco: </a:t>
-            </a:r>
-            <a:r>
-              <a:rPr lang="pt-BR" sz="2800" dirty="0" err="1"/>
-              <a:t>transportadora_db</a:t>
-            </a:r>
-            <a:r>
-              <a:rPr lang="pt-BR" sz="2800" dirty="0"/>
-              <a:t> </a:t>
-            </a:r>
-          </a:p>
-          <a:p>
-            <a:pPr marL="0" indent="0">
-              <a:buNone/>
-            </a:pPr>
-            <a:r>
-              <a:rPr lang="pt-BR" b="1" dirty="0"/>
-              <a:t>Tabelas principais: </a:t>
-            </a:r>
-          </a:p>
-          <a:p>
-            <a:r>
-              <a:rPr lang="pt-BR" dirty="0"/>
-              <a:t>Cliente: informações pessoais, contato, tipo (PF ou PJ), etc. </a:t>
-            </a:r>
-          </a:p>
-          <a:p>
-            <a:r>
-              <a:rPr lang="pt-BR" dirty="0"/>
-              <a:t>Motorista: inclui CNH, categoria, validade, etc. </a:t>
-            </a:r>
-          </a:p>
-          <a:p>
-            <a:r>
-              <a:rPr lang="pt-BR" dirty="0"/>
-              <a:t>Pedido: vinculado a um cliente</a:t>
-            </a:r>
-          </a:p>
-          <a:p>
-            <a:r>
-              <a:rPr lang="pt-BR" dirty="0"/>
-              <a:t>Entrega: vinculada a um pedido e a um motorista </a:t>
-            </a:r>
-          </a:p>
-        </p:txBody>
-      </p:sp>
-    </p:spTree>
-    <p:extLst>
-      <p:ext uri="{BB962C8B-B14F-4D97-AF65-F5344CB8AC3E}">
-        <p14:creationId xmlns:p14="http://schemas.microsoft.com/office/powerpoint/2010/main" val="230979934"/>
-      </p:ext>
-    </p:extLst>
-  </p:cSld>
-  <p:clrMapOvr>
-    <a:masterClrMapping/>
-  </p:clrMapOvr>
-</p:sld>
-</file>
-
-<file path=ppt/slides/slide11.xml><?xml version="1.0" encoding="utf-8"?>
-<p:sld xmlns:a="http://schemas.openxmlformats.org/drawingml/2006/main" xmlns:r="http://schemas.openxmlformats.org/officeDocument/2006/relationships" xmlns:p="http://schemas.openxmlformats.org/presentationml/2006/main">
-  <p:cSld>
-    <p:spTree>
-      <p:nvGrpSpPr>
-        <p:cNvPr id="1" name=""/>
-        <p:cNvGrpSpPr/>
-        <p:nvPr/>
-      </p:nvGrpSpPr>
-      <p:grpSpPr>
-        <a:xfrm>
-          <a:off x="0" y="0"/>
-          <a:ext cx="0" cy="0"/>
-          <a:chOff x="0" y="0"/>
-          <a:chExt cx="0" cy="0"/>
-        </a:xfrm>
-      </p:grpSpPr>
-      <p:sp>
-        <p:nvSpPr>
-          <p:cNvPr id="2" name="Título 1">
-            <a:extLst>
-              <a:ext uri="{FF2B5EF4-FFF2-40B4-BE49-F238E27FC236}">
-                <a16:creationId xmlns:a16="http://schemas.microsoft.com/office/drawing/2014/main" id="{D76CD3EF-0D68-4BC7-B11F-B0080CE4863F}"/>
-              </a:ext>
-            </a:extLst>
-          </p:cNvPr>
-          <p:cNvSpPr>
-            <a:spLocks noGrp="1"/>
-          </p:cNvSpPr>
-          <p:nvPr>
-            <p:ph type="title"/>
-          </p:nvPr>
-        </p:nvSpPr>
-        <p:spPr/>
-        <p:txBody>
-          <a:bodyPr/>
-          <a:lstStyle/>
-          <a:p>
-            <a:pPr algn="ctr"/>
-            <a:r>
-              <a:rPr lang="pt-BR" dirty="0"/>
-              <a:t>Relacionamentos</a:t>
-            </a:r>
-          </a:p>
-        </p:txBody>
-      </p:sp>
-      <p:sp>
-        <p:nvSpPr>
-          <p:cNvPr id="3" name="Espaço Reservado para Conteúdo 2">
-            <a:extLst>
-              <a:ext uri="{FF2B5EF4-FFF2-40B4-BE49-F238E27FC236}">
-                <a16:creationId xmlns:a16="http://schemas.microsoft.com/office/drawing/2014/main" id="{E5271043-DDF7-4148-8B1D-60D1F3037B43}"/>
-              </a:ext>
-            </a:extLst>
-          </p:cNvPr>
-          <p:cNvSpPr>
-            <a:spLocks noGrp="1"/>
-          </p:cNvSpPr>
-          <p:nvPr>
-            <p:ph idx="1"/>
-          </p:nvPr>
-        </p:nvSpPr>
-        <p:spPr/>
-        <p:txBody>
-          <a:bodyPr>
-            <a:normAutofit/>
-          </a:bodyPr>
-          <a:lstStyle/>
-          <a:p>
-            <a:r>
-              <a:rPr lang="pt-BR" sz="2800" dirty="0"/>
-              <a:t>Um cliente pode ter vários pedidos</a:t>
-            </a:r>
-          </a:p>
-          <a:p>
-            <a:endParaRPr lang="pt-BR" sz="2800" dirty="0"/>
-          </a:p>
-          <a:p>
-            <a:r>
-              <a:rPr lang="pt-BR" sz="2800" dirty="0"/>
-              <a:t>Um pedido gera uma entrega</a:t>
-            </a:r>
-          </a:p>
-          <a:p>
-            <a:endParaRPr lang="pt-BR" sz="2800" dirty="0"/>
-          </a:p>
-          <a:p>
-            <a:r>
-              <a:rPr lang="pt-BR" sz="2800" dirty="0"/>
-              <a:t>Um motorista pode realizar várias entregas </a:t>
-            </a:r>
-          </a:p>
-        </p:txBody>
-      </p:sp>
-    </p:spTree>
-    <p:extLst>
-      <p:ext uri="{BB962C8B-B14F-4D97-AF65-F5344CB8AC3E}">
-        <p14:creationId xmlns:p14="http://schemas.microsoft.com/office/powerpoint/2010/main" val="4165467048"/>
-      </p:ext>
-    </p:extLst>
-  </p:cSld>
-  <p:clrMapOvr>
-    <a:masterClrMapping/>
-  </p:clrMapOvr>
-</p:sld>
-</file>
-
-<file path=ppt/slides/slide12.xml><?xml version="1.0" encoding="utf-8"?>
-<p:sld xmlns:a="http://schemas.openxmlformats.org/drawingml/2006/main" xmlns:r="http://schemas.openxmlformats.org/officeDocument/2006/relationships" xmlns:p="http://schemas.openxmlformats.org/presentationml/2006/main">
-  <p:cSld>
-    <p:spTree>
-      <p:nvGrpSpPr>
-        <p:cNvPr id="1" name=""/>
-        <p:cNvGrpSpPr/>
-        <p:nvPr/>
-      </p:nvGrpSpPr>
-      <p:grpSpPr>
-        <a:xfrm>
-          <a:off x="0" y="0"/>
-          <a:ext cx="0" cy="0"/>
-          <a:chOff x="0" y="0"/>
-          <a:chExt cx="0" cy="0"/>
-        </a:xfrm>
-      </p:grpSpPr>
-      <p:sp>
-        <p:nvSpPr>
-          <p:cNvPr id="2" name="Título 1">
-            <a:extLst>
-              <a:ext uri="{FF2B5EF4-FFF2-40B4-BE49-F238E27FC236}">
-                <a16:creationId xmlns:a16="http://schemas.microsoft.com/office/drawing/2014/main" id="{157D72E8-CC9D-4A20-886F-385D7C9F9BF2}"/>
-              </a:ext>
-            </a:extLst>
-          </p:cNvPr>
-          <p:cNvSpPr>
-            <a:spLocks noGrp="1"/>
-          </p:cNvSpPr>
-          <p:nvPr>
-            <p:ph type="title"/>
-          </p:nvPr>
-        </p:nvSpPr>
-        <p:spPr/>
-        <p:txBody>
-          <a:bodyPr/>
-          <a:lstStyle/>
-          <a:p>
-            <a:pPr algn="ctr"/>
-            <a:r>
-              <a:rPr lang="pt-BR" dirty="0"/>
-              <a:t>Construção do Banco de Dados</a:t>
-            </a:r>
-          </a:p>
-        </p:txBody>
-      </p:sp>
-      <p:sp>
-        <p:nvSpPr>
-          <p:cNvPr id="3" name="Espaço Reservado para Conteúdo 2">
-            <a:extLst>
-              <a:ext uri="{FF2B5EF4-FFF2-40B4-BE49-F238E27FC236}">
-                <a16:creationId xmlns:a16="http://schemas.microsoft.com/office/drawing/2014/main" id="{DE6EFF74-9FE1-4187-8995-F81C2F7C8168}"/>
-              </a:ext>
-            </a:extLst>
-          </p:cNvPr>
-          <p:cNvSpPr>
-            <a:spLocks noGrp="1"/>
-          </p:cNvSpPr>
-          <p:nvPr>
-            <p:ph idx="1"/>
-          </p:nvPr>
-        </p:nvSpPr>
-        <p:spPr>
-          <a:xfrm>
-            <a:off x="1141412" y="1722784"/>
-            <a:ext cx="9905999" cy="4982816"/>
-          </a:xfrm>
-        </p:spPr>
-        <p:txBody>
-          <a:bodyPr>
-            <a:normAutofit/>
-          </a:bodyPr>
-          <a:lstStyle/>
-          <a:p>
-            <a:r>
-              <a:rPr lang="pt-BR" dirty="0"/>
-              <a:t>Banco: criado e gerenciado no Workbench </a:t>
-            </a:r>
-          </a:p>
-          <a:p>
-            <a:r>
-              <a:rPr lang="pt-BR" dirty="0"/>
-              <a:t>Script SQL com: </a:t>
-            </a:r>
-          </a:p>
-          <a:p>
-            <a:r>
-              <a:rPr lang="pt-BR" dirty="0"/>
-              <a:t>Criação das tabelas com chave primária e estrangeiras </a:t>
-            </a:r>
-          </a:p>
-          <a:p>
-            <a:r>
-              <a:rPr lang="pt-BR" dirty="0"/>
-              <a:t>Tipos de dados compatíveis com as operações (</a:t>
-            </a:r>
-            <a:r>
-              <a:rPr lang="pt-BR" dirty="0" err="1"/>
-              <a:t>ex</a:t>
-            </a:r>
-            <a:r>
-              <a:rPr lang="pt-BR" dirty="0"/>
-              <a:t>: DATE, DECIMAL, TEXT)</a:t>
-            </a:r>
-          </a:p>
-          <a:p>
-            <a:r>
-              <a:rPr lang="pt-BR" dirty="0"/>
-              <a:t> Inserção de dados iniciais para testes (clientes, motoristas, pedidos e entregas) </a:t>
-            </a:r>
-          </a:p>
-          <a:p>
-            <a:r>
-              <a:rPr lang="pt-BR" dirty="0"/>
-              <a:t>Banco testado e validado via terminal (</a:t>
-            </a:r>
-            <a:r>
-              <a:rPr lang="pt-BR" dirty="0" err="1"/>
-              <a:t>mysql</a:t>
-            </a:r>
-            <a:r>
-              <a:rPr lang="pt-BR" dirty="0"/>
-              <a:t> -u </a:t>
-            </a:r>
-            <a:r>
-              <a:rPr lang="pt-BR" dirty="0" err="1"/>
-              <a:t>usuario</a:t>
-            </a:r>
-            <a:r>
-              <a:rPr lang="pt-BR" dirty="0"/>
-              <a:t> -p)</a:t>
-            </a:r>
-          </a:p>
-          <a:p>
-            <a:r>
-              <a:rPr lang="pt-BR" dirty="0"/>
-              <a:t> Conexão integrada ao Django por variáveis no arquivo .</a:t>
-            </a:r>
-            <a:r>
-              <a:rPr lang="pt-BR" dirty="0" err="1"/>
-              <a:t>env</a:t>
-            </a:r>
-            <a:endParaRPr lang="pt-BR" dirty="0"/>
-          </a:p>
-        </p:txBody>
-      </p:sp>
-    </p:spTree>
-    <p:extLst>
-      <p:ext uri="{BB962C8B-B14F-4D97-AF65-F5344CB8AC3E}">
-        <p14:creationId xmlns:p14="http://schemas.microsoft.com/office/powerpoint/2010/main" val="2163214649"/>
-      </p:ext>
-    </p:extLst>
-  </p:cSld>
-  <p:clrMapOvr>
-    <a:masterClrMapping/>
-  </p:clrMapOvr>
-</p:sld>
-</file>
-
-<file path=ppt/slides/slide13.xml><?xml version="1.0" encoding="utf-8"?>
-<p:sld xmlns:a="http://schemas.openxmlformats.org/drawingml/2006/main" xmlns:r="http://schemas.openxmlformats.org/officeDocument/2006/relationships" xmlns:p="http://schemas.openxmlformats.org/presentationml/2006/main">
-  <p:cSld>
-    <p:spTree>
-      <p:nvGrpSpPr>
-        <p:cNvPr id="1" name=""/>
-        <p:cNvGrpSpPr/>
-        <p:nvPr/>
-      </p:nvGrpSpPr>
-      <p:grpSpPr>
-        <a:xfrm>
-          <a:off x="0" y="0"/>
-          <a:ext cx="0" cy="0"/>
-          <a:chOff x="0" y="0"/>
-          <a:chExt cx="0" cy="0"/>
-        </a:xfrm>
-      </p:grpSpPr>
-      <p:sp>
-        <p:nvSpPr>
-          <p:cNvPr id="2" name="Título 1">
-            <a:extLst>
-              <a:ext uri="{FF2B5EF4-FFF2-40B4-BE49-F238E27FC236}">
-                <a16:creationId xmlns:a16="http://schemas.microsoft.com/office/drawing/2014/main" id="{05D5ECCF-6A97-40B2-8011-456645A0E58F}"/>
-              </a:ext>
-            </a:extLst>
-          </p:cNvPr>
-          <p:cNvSpPr>
-            <a:spLocks noGrp="1"/>
-          </p:cNvSpPr>
-          <p:nvPr>
-            <p:ph type="title"/>
-          </p:nvPr>
-        </p:nvSpPr>
-        <p:spPr/>
-        <p:txBody>
-          <a:bodyPr/>
-          <a:lstStyle/>
-          <a:p>
-            <a:pPr algn="ctr"/>
-            <a:r>
-              <a:rPr lang="pt-BR" dirty="0"/>
-              <a:t>Interface Principal</a:t>
-            </a:r>
-          </a:p>
-        </p:txBody>
-      </p:sp>
-      <p:sp>
-        <p:nvSpPr>
-          <p:cNvPr id="3" name="Espaço Reservado para Conteúdo 2">
-            <a:extLst>
-              <a:ext uri="{FF2B5EF4-FFF2-40B4-BE49-F238E27FC236}">
-                <a16:creationId xmlns:a16="http://schemas.microsoft.com/office/drawing/2014/main" id="{9A20601F-2B57-4050-8162-7392FA34485D}"/>
-              </a:ext>
-            </a:extLst>
-          </p:cNvPr>
-          <p:cNvSpPr>
-            <a:spLocks noGrp="1"/>
-          </p:cNvSpPr>
-          <p:nvPr>
-            <p:ph idx="1"/>
-          </p:nvPr>
-        </p:nvSpPr>
-        <p:spPr>
-          <a:xfrm>
-            <a:off x="1141412" y="1881809"/>
-            <a:ext cx="9905999" cy="4572000"/>
-          </a:xfrm>
-        </p:spPr>
-        <p:txBody>
-          <a:bodyPr/>
-          <a:lstStyle/>
-          <a:p>
-            <a:pPr marL="0" indent="0">
-              <a:buNone/>
-            </a:pPr>
-            <a:r>
-              <a:rPr lang="pt-BR" b="1" dirty="0"/>
-              <a:t>Página inicial (/) </a:t>
-            </a:r>
-          </a:p>
-          <a:p>
-            <a:pPr lvl="1"/>
-            <a:r>
-              <a:rPr lang="pt-BR" sz="2400" dirty="0"/>
-              <a:t>Apresenta saudação com nome do usuário logado </a:t>
-            </a:r>
-          </a:p>
-          <a:p>
-            <a:pPr lvl="1"/>
-            <a:r>
-              <a:rPr lang="pt-BR" sz="2400" dirty="0"/>
-              <a:t>Interface limpa e direta</a:t>
-            </a:r>
-          </a:p>
-          <a:p>
-            <a:pPr lvl="1"/>
-            <a:r>
-              <a:rPr lang="pt-BR" sz="2400" dirty="0"/>
-              <a:t>Navegação feita por barra de menu com acesso às principais funcionalidades </a:t>
-            </a:r>
-          </a:p>
-          <a:p>
-            <a:pPr lvl="1"/>
-            <a:endParaRPr lang="pt-BR" sz="2400" dirty="0"/>
-          </a:p>
-          <a:p>
-            <a:pPr marL="0" indent="0">
-              <a:buNone/>
-            </a:pPr>
-            <a:r>
-              <a:rPr lang="pt-BR" dirty="0"/>
-              <a:t>Estilização com </a:t>
-            </a:r>
-            <a:r>
-              <a:rPr lang="pt-BR" dirty="0" err="1"/>
-              <a:t>Bootstrap</a:t>
-            </a:r>
-            <a:r>
-              <a:rPr lang="pt-BR" dirty="0"/>
-              <a:t> 5 </a:t>
-            </a:r>
-          </a:p>
-          <a:p>
-            <a:pPr lvl="1"/>
-            <a:r>
-              <a:rPr lang="pt-BR" sz="2400" dirty="0"/>
-              <a:t>Design responsivo o Ícones e feedback visual nos botões de ação </a:t>
-            </a:r>
-          </a:p>
-        </p:txBody>
-      </p:sp>
-    </p:spTree>
-    <p:extLst>
-      <p:ext uri="{BB962C8B-B14F-4D97-AF65-F5344CB8AC3E}">
-        <p14:creationId xmlns:p14="http://schemas.microsoft.com/office/powerpoint/2010/main" val="74582712"/>
-      </p:ext>
-    </p:extLst>
-  </p:cSld>
-  <p:clrMapOvr>
-    <a:masterClrMapping/>
-  </p:clrMapOvr>
-</p:sld>
-</file>
-
-<file path=ppt/slides/slide14.xml><?xml version="1.0" encoding="utf-8"?>
-<p:sld xmlns:a="http://schemas.openxmlformats.org/drawingml/2006/main" xmlns:r="http://schemas.openxmlformats.org/officeDocument/2006/relationships" xmlns:p="http://schemas.openxmlformats.org/presentationml/2006/main">
-  <p:cSld>
-    <p:spTree>
-      <p:nvGrpSpPr>
-        <p:cNvPr id="1" name=""/>
-        <p:cNvGrpSpPr/>
-        <p:nvPr/>
-      </p:nvGrpSpPr>
-      <p:grpSpPr>
-        <a:xfrm>
-          <a:off x="0" y="0"/>
-          <a:ext cx="0" cy="0"/>
-          <a:chOff x="0" y="0"/>
-          <a:chExt cx="0" cy="0"/>
-        </a:xfrm>
-      </p:grpSpPr>
-      <p:sp>
-        <p:nvSpPr>
-          <p:cNvPr id="2" name="Título 1">
-            <a:extLst>
-              <a:ext uri="{FF2B5EF4-FFF2-40B4-BE49-F238E27FC236}">
-                <a16:creationId xmlns:a16="http://schemas.microsoft.com/office/drawing/2014/main" id="{B4D456BD-FE43-48D8-8F8A-7DB5099B12AC}"/>
-              </a:ext>
-            </a:extLst>
-          </p:cNvPr>
-          <p:cNvSpPr>
-            <a:spLocks noGrp="1"/>
-          </p:cNvSpPr>
-          <p:nvPr>
-            <p:ph type="title"/>
-          </p:nvPr>
-        </p:nvSpPr>
-        <p:spPr/>
-        <p:txBody>
-          <a:bodyPr/>
-          <a:lstStyle/>
-          <a:p>
-            <a:pPr algn="ctr"/>
-            <a:r>
-              <a:rPr lang="pt-BR" dirty="0"/>
-              <a:t>Interface de Login</a:t>
-            </a:r>
-          </a:p>
-        </p:txBody>
-      </p:sp>
-      <p:sp>
-        <p:nvSpPr>
-          <p:cNvPr id="3" name="Espaço Reservado para Conteúdo 2">
-            <a:extLst>
-              <a:ext uri="{FF2B5EF4-FFF2-40B4-BE49-F238E27FC236}">
-                <a16:creationId xmlns:a16="http://schemas.microsoft.com/office/drawing/2014/main" id="{39137D6B-0E5B-4D91-AC1D-E279C3C8C4C8}"/>
-              </a:ext>
-            </a:extLst>
-          </p:cNvPr>
-          <p:cNvSpPr>
-            <a:spLocks noGrp="1"/>
-          </p:cNvSpPr>
-          <p:nvPr>
-            <p:ph idx="1"/>
-          </p:nvPr>
-        </p:nvSpPr>
-        <p:spPr>
-          <a:xfrm>
-            <a:off x="1141412" y="1762539"/>
-            <a:ext cx="9905999" cy="4611757"/>
-          </a:xfrm>
-        </p:spPr>
-        <p:txBody>
-          <a:bodyPr>
-            <a:normAutofit fontScale="92500" lnSpcReduction="10000"/>
-          </a:bodyPr>
-          <a:lstStyle/>
-          <a:p>
-            <a:r>
-              <a:rPr lang="pt-BR" dirty="0"/>
-              <a:t>Tela de login personalizada com </a:t>
-            </a:r>
-            <a:r>
-              <a:rPr lang="pt-BR" dirty="0" err="1"/>
-              <a:t>Bootstrap</a:t>
-            </a:r>
-            <a:r>
-              <a:rPr lang="pt-BR" dirty="0"/>
-              <a:t> </a:t>
-            </a:r>
-          </a:p>
-          <a:p>
-            <a:endParaRPr lang="pt-BR" dirty="0"/>
-          </a:p>
-          <a:p>
-            <a:r>
-              <a:rPr lang="pt-BR" dirty="0"/>
-              <a:t>Aceita nome de usuário como credencial de acesso </a:t>
-            </a:r>
-          </a:p>
-          <a:p>
-            <a:endParaRPr lang="pt-BR" dirty="0"/>
-          </a:p>
-          <a:p>
-            <a:r>
-              <a:rPr lang="pt-BR" dirty="0"/>
-              <a:t>Validação de senha e mensagens de erro amigáveis </a:t>
-            </a:r>
-          </a:p>
-          <a:p>
-            <a:endParaRPr lang="pt-BR" dirty="0"/>
-          </a:p>
-          <a:p>
-            <a:r>
-              <a:rPr lang="pt-BR" dirty="0"/>
-              <a:t>Protegida com @login_required, garantindo segurança de acesso </a:t>
-            </a:r>
-          </a:p>
-          <a:p>
-            <a:endParaRPr lang="pt-BR" dirty="0"/>
-          </a:p>
-          <a:p>
-            <a:r>
-              <a:rPr lang="pt-BR" dirty="0"/>
-              <a:t>Após login bem-sucedido, redireciona para a tela inicial</a:t>
-            </a:r>
-          </a:p>
-        </p:txBody>
-      </p:sp>
-    </p:spTree>
-    <p:extLst>
-      <p:ext uri="{BB962C8B-B14F-4D97-AF65-F5344CB8AC3E}">
-        <p14:creationId xmlns:p14="http://schemas.microsoft.com/office/powerpoint/2010/main" val="2111384090"/>
-      </p:ext>
-    </p:extLst>
-  </p:cSld>
-  <p:clrMapOvr>
-    <a:masterClrMapping/>
-  </p:clrMapOvr>
-</p:sld>
-</file>
-
-<file path=ppt/slides/slide15.xml><?xml version="1.0" encoding="utf-8"?>
-<p:sld xmlns:a="http://schemas.openxmlformats.org/drawingml/2006/main" xmlns:r="http://schemas.openxmlformats.org/officeDocument/2006/relationships" xmlns:p="http://schemas.openxmlformats.org/presentationml/2006/main">
-  <p:cSld>
-    <p:spTree>
-      <p:nvGrpSpPr>
-        <p:cNvPr id="1" name=""/>
-        <p:cNvGrpSpPr/>
-        <p:nvPr/>
-      </p:nvGrpSpPr>
-      <p:grpSpPr>
-        <a:xfrm>
-          <a:off x="0" y="0"/>
-          <a:ext cx="0" cy="0"/>
-          <a:chOff x="0" y="0"/>
-          <a:chExt cx="0" cy="0"/>
-        </a:xfrm>
-      </p:grpSpPr>
-      <p:sp>
-        <p:nvSpPr>
-          <p:cNvPr id="2" name="Título 1">
-            <a:extLst>
-              <a:ext uri="{FF2B5EF4-FFF2-40B4-BE49-F238E27FC236}">
-                <a16:creationId xmlns:a16="http://schemas.microsoft.com/office/drawing/2014/main" id="{4A194B48-E712-4268-AE4A-61940F11356A}"/>
-              </a:ext>
-            </a:extLst>
-          </p:cNvPr>
-          <p:cNvSpPr>
-            <a:spLocks noGrp="1"/>
-          </p:cNvSpPr>
-          <p:nvPr>
-            <p:ph type="title"/>
-          </p:nvPr>
-        </p:nvSpPr>
-        <p:spPr/>
-        <p:txBody>
-          <a:bodyPr/>
-          <a:lstStyle/>
-          <a:p>
-            <a:pPr algn="ctr"/>
-            <a:r>
-              <a:rPr lang="pt-BR" dirty="0"/>
-              <a:t>Cadastro Unificado (Cliente + Motorista + Usuário)</a:t>
-            </a:r>
-          </a:p>
-        </p:txBody>
-      </p:sp>
-      <p:sp>
-        <p:nvSpPr>
-          <p:cNvPr id="3" name="Espaço Reservado para Conteúdo 2">
-            <a:extLst>
-              <a:ext uri="{FF2B5EF4-FFF2-40B4-BE49-F238E27FC236}">
-                <a16:creationId xmlns:a16="http://schemas.microsoft.com/office/drawing/2014/main" id="{44F61397-E709-4989-BF04-796F65C1EC6B}"/>
-              </a:ext>
-            </a:extLst>
-          </p:cNvPr>
-          <p:cNvSpPr>
-            <a:spLocks noGrp="1"/>
-          </p:cNvSpPr>
-          <p:nvPr>
-            <p:ph idx="1"/>
-          </p:nvPr>
-        </p:nvSpPr>
-        <p:spPr/>
-        <p:txBody>
-          <a:bodyPr>
-            <a:normAutofit/>
-          </a:bodyPr>
-          <a:lstStyle/>
-          <a:p>
-            <a:pPr marL="0" indent="0">
-              <a:buNone/>
-            </a:pPr>
-            <a:r>
-              <a:rPr lang="pt-BR" sz="2800" b="1" dirty="0"/>
-              <a:t>Implementado formulário completo de cadastro: </a:t>
-            </a:r>
-          </a:p>
-          <a:p>
-            <a:endParaRPr lang="pt-BR" sz="2800" dirty="0"/>
-          </a:p>
-          <a:p>
-            <a:r>
-              <a:rPr lang="pt-BR" sz="2800" dirty="0"/>
-              <a:t>Cria automaticamente o usuário Django </a:t>
-            </a:r>
-          </a:p>
-          <a:p>
-            <a:endParaRPr lang="pt-BR" sz="2800" dirty="0"/>
-          </a:p>
-          <a:p>
-            <a:r>
-              <a:rPr lang="pt-BR" sz="2800" dirty="0"/>
-              <a:t>Salva simultaneamente os dados de cliente e motorista </a:t>
-            </a:r>
-          </a:p>
-        </p:txBody>
-      </p:sp>
-    </p:spTree>
-    <p:extLst>
-      <p:ext uri="{BB962C8B-B14F-4D97-AF65-F5344CB8AC3E}">
-        <p14:creationId xmlns:p14="http://schemas.microsoft.com/office/powerpoint/2010/main" val="300424107"/>
-      </p:ext>
-    </p:extLst>
-  </p:cSld>
-  <p:clrMapOvr>
-    <a:masterClrMapping/>
-  </p:clrMapOvr>
-</p:sld>
-</file>
-
-<file path=ppt/slides/slide16.xml><?xml version="1.0" encoding="utf-8"?>
-<p:sld xmlns:a="http://schemas.openxmlformats.org/drawingml/2006/main" xmlns:r="http://schemas.openxmlformats.org/officeDocument/2006/relationships" xmlns:p="http://schemas.openxmlformats.org/presentationml/2006/main">
-  <p:cSld>
-    <p:spTree>
-      <p:nvGrpSpPr>
-        <p:cNvPr id="1" name=""/>
-        <p:cNvGrpSpPr/>
-        <p:nvPr/>
-      </p:nvGrpSpPr>
-      <p:grpSpPr>
-        <a:xfrm>
-          <a:off x="0" y="0"/>
-          <a:ext cx="0" cy="0"/>
-          <a:chOff x="0" y="0"/>
-          <a:chExt cx="0" cy="0"/>
-        </a:xfrm>
-      </p:grpSpPr>
-      <p:sp>
-        <p:nvSpPr>
-          <p:cNvPr id="2" name="Título 1">
-            <a:extLst>
-              <a:ext uri="{FF2B5EF4-FFF2-40B4-BE49-F238E27FC236}">
-                <a16:creationId xmlns:a16="http://schemas.microsoft.com/office/drawing/2014/main" id="{576200B6-8789-46D8-BFAD-469C8E33C3A8}"/>
+                <a16:creationId xmlns:a16="http://schemas.microsoft.com/office/drawing/2014/main" id="{71314172-C2E1-4755-AB78-C3F693A18929}"/>
               </a:ext>
             </a:extLst>
           </p:cNvPr>
@@ -13335,8 +12551,8 @@
         </p:nvSpPr>
         <p:spPr>
           <a:xfrm>
-            <a:off x="1141413" y="618518"/>
-            <a:ext cx="9905998" cy="1117517"/>
+            <a:off x="1141413" y="154994"/>
+            <a:ext cx="9905998" cy="1202809"/>
           </a:xfrm>
         </p:spPr>
         <p:txBody>
@@ -13346,94 +12562,46 @@
             <a:pPr algn="ctr"/>
             <a:r>
               <a:rPr lang="pt-BR" dirty="0"/>
-              <a:t>Cadastro Unificado (Cliente + Motorista + Usuário) </a:t>
+              <a:t>Diagrama de atividade</a:t>
             </a:r>
           </a:p>
         </p:txBody>
       </p:sp>
-      <p:sp>
-        <p:nvSpPr>
-          <p:cNvPr id="3" name="Espaço Reservado para Conteúdo 2">
+      <p:pic>
+        <p:nvPicPr>
+          <p:cNvPr id="4" name="Espaço Reservado para Conteúdo 3">
             <a:extLst>
               <a:ext uri="{FF2B5EF4-FFF2-40B4-BE49-F238E27FC236}">
-                <a16:creationId xmlns:a16="http://schemas.microsoft.com/office/drawing/2014/main" id="{7E8B6B88-EC83-4D0C-AE9E-60A597138432}"/>
+                <a16:creationId xmlns:a16="http://schemas.microsoft.com/office/drawing/2014/main" id="{104620C7-3889-483F-B1C7-D838B53BAA43}"/>
               </a:ext>
             </a:extLst>
           </p:cNvPr>
-          <p:cNvSpPr>
-            <a:spLocks noGrp="1"/>
-          </p:cNvSpPr>
+          <p:cNvPicPr>
+            <a:picLocks noGrp="1" noChangeAspect="1"/>
+          </p:cNvPicPr>
           <p:nvPr>
             <p:ph idx="1"/>
           </p:nvPr>
-        </p:nvSpPr>
+        </p:nvPicPr>
+        <p:blipFill rotWithShape="1">
+          <a:blip r:embed="rId2"/>
+          <a:srcRect t="1611"/>
+          <a:stretch/>
+        </p:blipFill>
         <p:spPr>
           <a:xfrm>
-            <a:off x="1141412" y="1895062"/>
-            <a:ext cx="9905999" cy="4691268"/>
+            <a:off x="4072913" y="1119264"/>
+            <a:ext cx="4046174" cy="5345204"/>
           </a:xfrm>
+          <a:prstGeom prst="rect">
+            <a:avLst/>
+          </a:prstGeom>
         </p:spPr>
-        <p:txBody>
-          <a:bodyPr/>
-          <a:lstStyle/>
-          <a:p>
-            <a:r>
-              <a:rPr lang="pt-BR" dirty="0"/>
-              <a:t>Campos obrigatórios validados (exceto CNH e validade, que são opcionais) </a:t>
-            </a:r>
-          </a:p>
-          <a:p>
-            <a:r>
-              <a:rPr lang="pt-BR" dirty="0"/>
-              <a:t> </a:t>
-            </a:r>
-          </a:p>
-          <a:p>
-            <a:r>
-              <a:rPr lang="pt-BR" dirty="0"/>
-              <a:t>Layout dividido em seções lógicas (dados de login, dados pessoais, dados do motorista) </a:t>
-            </a:r>
-          </a:p>
-          <a:p>
-            <a:endParaRPr lang="pt-BR" dirty="0"/>
-          </a:p>
-          <a:p>
-            <a:r>
-              <a:rPr lang="pt-BR" dirty="0"/>
-              <a:t>Após cadastro, o sistema já realiza o login do usuário </a:t>
-            </a:r>
-          </a:p>
-          <a:p>
-            <a:endParaRPr lang="pt-BR" dirty="0"/>
-          </a:p>
-          <a:p>
-            <a:r>
-              <a:rPr lang="pt-BR" dirty="0"/>
-              <a:t> Formulário criado via </a:t>
-            </a:r>
-            <a:r>
-              <a:rPr lang="pt-BR" dirty="0" err="1"/>
-              <a:t>forms.ModelForm</a:t>
-            </a:r>
-            <a:r>
-              <a:rPr lang="pt-BR" dirty="0"/>
-              <a:t> e renderizado com </a:t>
-            </a:r>
-            <a:r>
-              <a:rPr lang="pt-BR" dirty="0" err="1"/>
-              <a:t>Bootstrap</a:t>
-            </a:r>
-            <a:r>
-              <a:rPr lang="pt-BR" dirty="0"/>
-              <a:t> </a:t>
-            </a:r>
-          </a:p>
-        </p:txBody>
-      </p:sp>
+      </p:pic>
     </p:spTree>
     <p:extLst>
       <p:ext uri="{BB962C8B-B14F-4D97-AF65-F5344CB8AC3E}">
-        <p14:creationId xmlns:p14="http://schemas.microsoft.com/office/powerpoint/2010/main" val="473580893"/>
+        <p14:creationId xmlns:p14="http://schemas.microsoft.com/office/powerpoint/2010/main" val="1678303906"/>
       </p:ext>
     </p:extLst>
   </p:cSld>
@@ -13443,411 +12611,7 @@
 </p:sld>
 </file>
 
-<file path=ppt/slides/slide17.xml><?xml version="1.0" encoding="utf-8"?>
-<p:sld xmlns:a="http://schemas.openxmlformats.org/drawingml/2006/main" xmlns:r="http://schemas.openxmlformats.org/officeDocument/2006/relationships" xmlns:p="http://schemas.openxmlformats.org/presentationml/2006/main">
-  <p:cSld>
-    <p:spTree>
-      <p:nvGrpSpPr>
-        <p:cNvPr id="1" name=""/>
-        <p:cNvGrpSpPr/>
-        <p:nvPr/>
-      </p:nvGrpSpPr>
-      <p:grpSpPr>
-        <a:xfrm>
-          <a:off x="0" y="0"/>
-          <a:ext cx="0" cy="0"/>
-          <a:chOff x="0" y="0"/>
-          <a:chExt cx="0" cy="0"/>
-        </a:xfrm>
-      </p:grpSpPr>
-      <p:sp>
-        <p:nvSpPr>
-          <p:cNvPr id="2" name="Título 1">
-            <a:extLst>
-              <a:ext uri="{FF2B5EF4-FFF2-40B4-BE49-F238E27FC236}">
-                <a16:creationId xmlns:a16="http://schemas.microsoft.com/office/drawing/2014/main" id="{91E2A524-18B1-400B-B305-E377ECDDF881}"/>
-              </a:ext>
-            </a:extLst>
-          </p:cNvPr>
-          <p:cNvSpPr>
-            <a:spLocks noGrp="1"/>
-          </p:cNvSpPr>
-          <p:nvPr>
-            <p:ph type="title"/>
-          </p:nvPr>
-        </p:nvSpPr>
-        <p:spPr/>
-        <p:txBody>
-          <a:bodyPr/>
-          <a:lstStyle/>
-          <a:p>
-            <a:pPr algn="ctr"/>
-            <a:r>
-              <a:rPr lang="pt-BR" dirty="0"/>
-              <a:t>Funcionalidades CRUD Implementadas</a:t>
-            </a:r>
-          </a:p>
-        </p:txBody>
-      </p:sp>
-      <p:sp>
-        <p:nvSpPr>
-          <p:cNvPr id="3" name="Espaço Reservado para Conteúdo 2">
-            <a:extLst>
-              <a:ext uri="{FF2B5EF4-FFF2-40B4-BE49-F238E27FC236}">
-                <a16:creationId xmlns:a16="http://schemas.microsoft.com/office/drawing/2014/main" id="{1CB65F2B-898C-49EF-8748-AA6E88D61E3B}"/>
-              </a:ext>
-            </a:extLst>
-          </p:cNvPr>
-          <p:cNvSpPr>
-            <a:spLocks noGrp="1"/>
-          </p:cNvSpPr>
-          <p:nvPr>
-            <p:ph idx="1"/>
-          </p:nvPr>
-        </p:nvSpPr>
-        <p:spPr>
-          <a:xfrm>
-            <a:off x="1141412" y="1842051"/>
-            <a:ext cx="9905999" cy="4611757"/>
-          </a:xfrm>
-        </p:spPr>
-        <p:txBody>
-          <a:bodyPr/>
-          <a:lstStyle/>
-          <a:p>
-            <a:pPr marL="0" indent="0">
-              <a:buNone/>
-            </a:pPr>
-            <a:r>
-              <a:rPr lang="pt-BR" b="1" dirty="0"/>
-              <a:t>CRUD completo para Cliente e Motorista: </a:t>
-            </a:r>
-          </a:p>
-          <a:p>
-            <a:pPr lvl="1"/>
-            <a:r>
-              <a:rPr lang="pt-BR" sz="2400" dirty="0"/>
-              <a:t>Listagem com todos os registros </a:t>
-            </a:r>
-          </a:p>
-          <a:p>
-            <a:pPr lvl="1"/>
-            <a:r>
-              <a:rPr lang="pt-BR" sz="2400" dirty="0"/>
-              <a:t>Formulários de criação e edição </a:t>
-            </a:r>
-          </a:p>
-          <a:p>
-            <a:pPr lvl="1"/>
-            <a:r>
-              <a:rPr lang="pt-BR" sz="2400" dirty="0"/>
-              <a:t>Confirmação antes de excluir </a:t>
-            </a:r>
-          </a:p>
-          <a:p>
-            <a:pPr marL="0" indent="0">
-              <a:buNone/>
-            </a:pPr>
-            <a:r>
-              <a:rPr lang="pt-BR" b="1" dirty="0"/>
-              <a:t>Telas com estilo consistente:</a:t>
-            </a:r>
-          </a:p>
-          <a:p>
-            <a:pPr lvl="1"/>
-            <a:r>
-              <a:rPr lang="pt-BR" sz="2400" dirty="0"/>
-              <a:t>Feedback visual o Navegação fluida entre listagem e formulário </a:t>
-            </a:r>
-          </a:p>
-          <a:p>
-            <a:pPr lvl="1"/>
-            <a:r>
-              <a:rPr lang="pt-BR" sz="2400" dirty="0"/>
-              <a:t>Pedidos e Entregas não possuem formulários (mas estão disponíveis no banco e nos modelos do Django)</a:t>
-            </a:r>
-          </a:p>
-        </p:txBody>
-      </p:sp>
-    </p:spTree>
-    <p:extLst>
-      <p:ext uri="{BB962C8B-B14F-4D97-AF65-F5344CB8AC3E}">
-        <p14:creationId xmlns:p14="http://schemas.microsoft.com/office/powerpoint/2010/main" val="830453446"/>
-      </p:ext>
-    </p:extLst>
-  </p:cSld>
-  <p:clrMapOvr>
-    <a:masterClrMapping/>
-  </p:clrMapOvr>
-</p:sld>
-</file>
-
-<file path=ppt/slides/slide18.xml><?xml version="1.0" encoding="utf-8"?>
-<p:sld xmlns:a="http://schemas.openxmlformats.org/drawingml/2006/main" xmlns:r="http://schemas.openxmlformats.org/officeDocument/2006/relationships" xmlns:p="http://schemas.openxmlformats.org/presentationml/2006/main">
-  <p:cSld>
-    <p:spTree>
-      <p:nvGrpSpPr>
-        <p:cNvPr id="1" name=""/>
-        <p:cNvGrpSpPr/>
-        <p:nvPr/>
-      </p:nvGrpSpPr>
-      <p:grpSpPr>
-        <a:xfrm>
-          <a:off x="0" y="0"/>
-          <a:ext cx="0" cy="0"/>
-          <a:chOff x="0" y="0"/>
-          <a:chExt cx="0" cy="0"/>
-        </a:xfrm>
-      </p:grpSpPr>
-      <p:sp>
-        <p:nvSpPr>
-          <p:cNvPr id="2" name="Título 1">
-            <a:extLst>
-              <a:ext uri="{FF2B5EF4-FFF2-40B4-BE49-F238E27FC236}">
-                <a16:creationId xmlns:a16="http://schemas.microsoft.com/office/drawing/2014/main" id="{3A93D624-38E3-43F2-88E9-D1BD0E570E0D}"/>
-              </a:ext>
-            </a:extLst>
-          </p:cNvPr>
-          <p:cNvSpPr>
-            <a:spLocks noGrp="1"/>
-          </p:cNvSpPr>
-          <p:nvPr>
-            <p:ph type="title"/>
-          </p:nvPr>
-        </p:nvSpPr>
-        <p:spPr/>
-        <p:txBody>
-          <a:bodyPr/>
-          <a:lstStyle/>
-          <a:p>
-            <a:pPr algn="ctr"/>
-            <a:r>
-              <a:rPr lang="pt-BR" dirty="0"/>
-              <a:t>Consulta e Relatórios (básico) </a:t>
-            </a:r>
-          </a:p>
-        </p:txBody>
-      </p:sp>
-      <p:sp>
-        <p:nvSpPr>
-          <p:cNvPr id="3" name="Espaço Reservado para Conteúdo 2">
-            <a:extLst>
-              <a:ext uri="{FF2B5EF4-FFF2-40B4-BE49-F238E27FC236}">
-                <a16:creationId xmlns:a16="http://schemas.microsoft.com/office/drawing/2014/main" id="{3BF6C6F0-A71F-40A2-B529-87A22C518B0A}"/>
-              </a:ext>
-            </a:extLst>
-          </p:cNvPr>
-          <p:cNvSpPr>
-            <a:spLocks noGrp="1"/>
-          </p:cNvSpPr>
-          <p:nvPr>
-            <p:ph idx="1"/>
-          </p:nvPr>
-        </p:nvSpPr>
-        <p:spPr>
-          <a:xfrm>
-            <a:off x="1141412" y="2249487"/>
-            <a:ext cx="9905999" cy="3886270"/>
-          </a:xfrm>
-        </p:spPr>
-        <p:txBody>
-          <a:bodyPr/>
-          <a:lstStyle/>
-          <a:p>
-            <a:pPr marL="0" indent="0">
-              <a:buNone/>
-            </a:pPr>
-            <a:r>
-              <a:rPr lang="pt-BR" dirty="0"/>
-              <a:t>Telas de listagem atuam como visualização e consulta: </a:t>
-            </a:r>
-          </a:p>
-          <a:p>
-            <a:pPr lvl="1"/>
-            <a:r>
-              <a:rPr lang="pt-BR" sz="2400" dirty="0"/>
-              <a:t>Exibição de dados ordenados por nome ou ID</a:t>
-            </a:r>
-          </a:p>
-          <a:p>
-            <a:pPr lvl="1"/>
-            <a:r>
-              <a:rPr lang="pt-BR" sz="2400" dirty="0"/>
-              <a:t>Possível expansão futura para filtros (por cidade, estado, etc.) </a:t>
-            </a:r>
-          </a:p>
-          <a:p>
-            <a:r>
-              <a:rPr lang="pt-BR" dirty="0"/>
-              <a:t>Visualização simples, mas funcional </a:t>
-            </a:r>
-          </a:p>
-          <a:p>
-            <a:r>
-              <a:rPr lang="pt-BR" dirty="0"/>
-              <a:t>Ideal para avaliação rápida dos registros existentes no banco</a:t>
-            </a:r>
-          </a:p>
-        </p:txBody>
-      </p:sp>
-    </p:spTree>
-    <p:extLst>
-      <p:ext uri="{BB962C8B-B14F-4D97-AF65-F5344CB8AC3E}">
-        <p14:creationId xmlns:p14="http://schemas.microsoft.com/office/powerpoint/2010/main" val="1153560701"/>
-      </p:ext>
-    </p:extLst>
-  </p:cSld>
-  <p:clrMapOvr>
-    <a:masterClrMapping/>
-  </p:clrMapOvr>
-</p:sld>
-</file>
-
-<file path=ppt/slides/slide19.xml><?xml version="1.0" encoding="utf-8"?>
-<p:sld xmlns:a="http://schemas.openxmlformats.org/drawingml/2006/main" xmlns:r="http://schemas.openxmlformats.org/officeDocument/2006/relationships" xmlns:p="http://schemas.openxmlformats.org/presentationml/2006/main">
-  <p:cSld>
-    <p:spTree>
-      <p:nvGrpSpPr>
-        <p:cNvPr id="1" name=""/>
-        <p:cNvGrpSpPr/>
-        <p:nvPr/>
-      </p:nvGrpSpPr>
-      <p:grpSpPr>
-        <a:xfrm>
-          <a:off x="0" y="0"/>
-          <a:ext cx="0" cy="0"/>
-          <a:chOff x="0" y="0"/>
-          <a:chExt cx="0" cy="0"/>
-        </a:xfrm>
-      </p:grpSpPr>
-      <p:sp>
-        <p:nvSpPr>
-          <p:cNvPr id="2" name="Título 1">
-            <a:extLst>
-              <a:ext uri="{FF2B5EF4-FFF2-40B4-BE49-F238E27FC236}">
-                <a16:creationId xmlns:a16="http://schemas.microsoft.com/office/drawing/2014/main" id="{1B98F7DC-2CDB-4A1B-89B4-389A3E1AA358}"/>
-              </a:ext>
-            </a:extLst>
-          </p:cNvPr>
-          <p:cNvSpPr>
-            <a:spLocks noGrp="1"/>
-          </p:cNvSpPr>
-          <p:nvPr>
-            <p:ph type="title"/>
-          </p:nvPr>
-        </p:nvSpPr>
-        <p:spPr/>
-        <p:txBody>
-          <a:bodyPr/>
-          <a:lstStyle/>
-          <a:p>
-            <a:pPr algn="ctr"/>
-            <a:r>
-              <a:rPr lang="pt-BR" dirty="0"/>
-              <a:t>Formulário de Contato</a:t>
-            </a:r>
-          </a:p>
-        </p:txBody>
-      </p:sp>
-      <p:sp>
-        <p:nvSpPr>
-          <p:cNvPr id="3" name="Espaço Reservado para Conteúdo 2">
-            <a:extLst>
-              <a:ext uri="{FF2B5EF4-FFF2-40B4-BE49-F238E27FC236}">
-                <a16:creationId xmlns:a16="http://schemas.microsoft.com/office/drawing/2014/main" id="{252A2189-B866-4656-AC48-D8076C077666}"/>
-              </a:ext>
-            </a:extLst>
-          </p:cNvPr>
-          <p:cNvSpPr>
-            <a:spLocks noGrp="1"/>
-          </p:cNvSpPr>
-          <p:nvPr>
-            <p:ph idx="1"/>
-          </p:nvPr>
-        </p:nvSpPr>
-        <p:spPr>
-          <a:xfrm>
-            <a:off x="1141412" y="1802296"/>
-            <a:ext cx="9905999" cy="3988905"/>
-          </a:xfrm>
-        </p:spPr>
-        <p:txBody>
-          <a:bodyPr>
-            <a:normAutofit/>
-          </a:bodyPr>
-          <a:lstStyle/>
-          <a:p>
-            <a:r>
-              <a:rPr lang="pt-BR" dirty="0"/>
-              <a:t>Página de contato com campos: Nome, </a:t>
-            </a:r>
-            <a:r>
-              <a:rPr lang="pt-BR" dirty="0" err="1"/>
-              <a:t>Email</a:t>
-            </a:r>
-            <a:r>
-              <a:rPr lang="pt-BR" dirty="0"/>
-              <a:t> e Mensagem </a:t>
-            </a:r>
-          </a:p>
-          <a:p>
-            <a:r>
-              <a:rPr lang="pt-BR" dirty="0"/>
-              <a:t>Estilização com </a:t>
-            </a:r>
-            <a:r>
-              <a:rPr lang="pt-BR" dirty="0" err="1"/>
-              <a:t>Bootstrap</a:t>
-            </a:r>
-            <a:r>
-              <a:rPr lang="pt-BR" dirty="0"/>
-              <a:t> </a:t>
-            </a:r>
-          </a:p>
-          <a:p>
-            <a:r>
-              <a:rPr lang="pt-BR" dirty="0"/>
-              <a:t>Prepara a base para: </a:t>
-            </a:r>
-          </a:p>
-          <a:p>
-            <a:pPr lvl="1"/>
-            <a:r>
-              <a:rPr lang="pt-BR" sz="2400" dirty="0"/>
-              <a:t>Envio de mensagens por </a:t>
-            </a:r>
-            <a:r>
-              <a:rPr lang="pt-BR" sz="2400" dirty="0" err="1"/>
-              <a:t>email</a:t>
-            </a:r>
-            <a:r>
-              <a:rPr lang="pt-BR" sz="2400" dirty="0"/>
-              <a:t> </a:t>
-            </a:r>
-          </a:p>
-          <a:p>
-            <a:pPr lvl="1"/>
-            <a:r>
-              <a:rPr lang="pt-BR" sz="2400" dirty="0"/>
-              <a:t>Ou armazenamento em banco para consulta posterior </a:t>
-            </a:r>
-          </a:p>
-        </p:txBody>
-      </p:sp>
-    </p:spTree>
-    <p:extLst>
-      <p:ext uri="{BB962C8B-B14F-4D97-AF65-F5344CB8AC3E}">
-        <p14:creationId xmlns:p14="http://schemas.microsoft.com/office/powerpoint/2010/main" val="2580509209"/>
-      </p:ext>
-    </p:extLst>
-  </p:cSld>
-  <p:clrMapOvr>
-    <a:masterClrMapping/>
-  </p:clrMapOvr>
-</p:sld>
-</file>
-
-<file path=ppt/slides/slide2.xml><?xml version="1.0" encoding="utf-8"?>
+<file path=ppt/slides/slide11.xml><?xml version="1.0" encoding="utf-8"?>
 <p:sld xmlns:a="http://schemas.openxmlformats.org/drawingml/2006/main" xmlns:r="http://schemas.openxmlformats.org/officeDocument/2006/relationships" xmlns:p="http://schemas.openxmlformats.org/presentationml/2006/main">
   <p:cSld>
     <p:spTree>
@@ -13893,7 +12657,7 @@
             <a:pPr algn="ctr"/>
             <a:r>
               <a:rPr lang="pt-BR" dirty="0"/>
-              <a:t>Introdução</a:t>
+              <a:t>projeto</a:t>
             </a:r>
           </a:p>
         </p:txBody>
@@ -13923,7 +12687,15 @@
           <a:p>
             <a:r>
               <a:rPr lang="pt-BR" sz="3200" dirty="0"/>
-              <a:t>Nome do projeto: Transportadora </a:t>
+              <a:t>Nome do projeto: </a:t>
+            </a:r>
+            <a:r>
+              <a:rPr lang="pt-BR" sz="3200" dirty="0" err="1"/>
+              <a:t>TransLog</a:t>
+            </a:r>
+            <a:r>
+              <a:rPr lang="pt-BR" sz="3200" dirty="0"/>
+              <a:t> Brasil;</a:t>
             </a:r>
           </a:p>
           <a:p>
@@ -13935,7 +12707,7 @@
           <a:p>
             <a:r>
               <a:rPr lang="pt-BR" sz="3200" dirty="0"/>
-              <a:t> Descrição: Sistema web para gestão de clientes, motoristas e entregas de uma empresa de transporte. </a:t>
+              <a:t> Descrição: Sistema web para gestão de clientes, motoristas e entregas de uma empresa de transporte;</a:t>
             </a:r>
           </a:p>
         </p:txBody>
@@ -13953,216 +12725,7 @@
 </p:sld>
 </file>
 
-<file path=ppt/slides/slide20.xml><?xml version="1.0" encoding="utf-8"?>
-<p:sld xmlns:a="http://schemas.openxmlformats.org/drawingml/2006/main" xmlns:r="http://schemas.openxmlformats.org/officeDocument/2006/relationships" xmlns:p="http://schemas.openxmlformats.org/presentationml/2006/main">
-  <p:cSld>
-    <p:spTree>
-      <p:nvGrpSpPr>
-        <p:cNvPr id="1" name=""/>
-        <p:cNvGrpSpPr/>
-        <p:nvPr/>
-      </p:nvGrpSpPr>
-      <p:grpSpPr>
-        <a:xfrm>
-          <a:off x="0" y="0"/>
-          <a:ext cx="0" cy="0"/>
-          <a:chOff x="0" y="0"/>
-          <a:chExt cx="0" cy="0"/>
-        </a:xfrm>
-      </p:grpSpPr>
-      <p:sp>
-        <p:nvSpPr>
-          <p:cNvPr id="2" name="Título 1">
-            <a:extLst>
-              <a:ext uri="{FF2B5EF4-FFF2-40B4-BE49-F238E27FC236}">
-                <a16:creationId xmlns:a16="http://schemas.microsoft.com/office/drawing/2014/main" id="{BB224279-9C22-4921-AC58-7C6DB20ED06B}"/>
-              </a:ext>
-            </a:extLst>
-          </p:cNvPr>
-          <p:cNvSpPr>
-            <a:spLocks noGrp="1"/>
-          </p:cNvSpPr>
-          <p:nvPr>
-            <p:ph type="title"/>
-          </p:nvPr>
-        </p:nvSpPr>
-        <p:spPr/>
-        <p:txBody>
-          <a:bodyPr/>
-          <a:lstStyle/>
-          <a:p>
-            <a:pPr algn="ctr"/>
-            <a:r>
-              <a:rPr lang="pt-BR" dirty="0"/>
-              <a:t>Considerações Finais</a:t>
-            </a:r>
-          </a:p>
-        </p:txBody>
-      </p:sp>
-      <p:sp>
-        <p:nvSpPr>
-          <p:cNvPr id="3" name="Espaço Reservado para Conteúdo 2">
-            <a:extLst>
-              <a:ext uri="{FF2B5EF4-FFF2-40B4-BE49-F238E27FC236}">
-                <a16:creationId xmlns:a16="http://schemas.microsoft.com/office/drawing/2014/main" id="{A6127EBB-8F91-4E2D-A1AA-6FD87C88B001}"/>
-              </a:ext>
-            </a:extLst>
-          </p:cNvPr>
-          <p:cNvSpPr>
-            <a:spLocks noGrp="1"/>
-          </p:cNvSpPr>
-          <p:nvPr>
-            <p:ph idx="1"/>
-          </p:nvPr>
-        </p:nvSpPr>
-        <p:spPr/>
-        <p:txBody>
-          <a:bodyPr>
-            <a:normAutofit/>
-          </a:bodyPr>
-          <a:lstStyle/>
-          <a:p>
-            <a:pPr marL="0" indent="0">
-              <a:buNone/>
-            </a:pPr>
-            <a:r>
-              <a:rPr lang="pt-BR" sz="2800" b="1" dirty="0"/>
-              <a:t>Projeto concluído com foco em: </a:t>
-            </a:r>
-          </a:p>
-          <a:p>
-            <a:r>
-              <a:rPr lang="pt-BR" sz="2800" dirty="0"/>
-              <a:t>Banco relacional funcional o </a:t>
-            </a:r>
-          </a:p>
-          <a:p>
-            <a:r>
-              <a:rPr lang="pt-BR" sz="2800" dirty="0"/>
-              <a:t>Cadastro completo de usuário, cliente e motorista o </a:t>
-            </a:r>
-          </a:p>
-          <a:p>
-            <a:r>
-              <a:rPr lang="pt-BR" sz="2800" dirty="0"/>
-              <a:t>Segurança via autenticação e proteção de rotas</a:t>
-            </a:r>
-          </a:p>
-        </p:txBody>
-      </p:sp>
-    </p:spTree>
-    <p:extLst>
-      <p:ext uri="{BB962C8B-B14F-4D97-AF65-F5344CB8AC3E}">
-        <p14:creationId xmlns:p14="http://schemas.microsoft.com/office/powerpoint/2010/main" val="2820432831"/>
-      </p:ext>
-    </p:extLst>
-  </p:cSld>
-  <p:clrMapOvr>
-    <a:masterClrMapping/>
-  </p:clrMapOvr>
-</p:sld>
-</file>
-
-<file path=ppt/slides/slide21.xml><?xml version="1.0" encoding="utf-8"?>
-<p:sld xmlns:a="http://schemas.openxmlformats.org/drawingml/2006/main" xmlns:r="http://schemas.openxmlformats.org/officeDocument/2006/relationships" xmlns:p="http://schemas.openxmlformats.org/presentationml/2006/main">
-  <p:cSld>
-    <p:spTree>
-      <p:nvGrpSpPr>
-        <p:cNvPr id="1" name=""/>
-        <p:cNvGrpSpPr/>
-        <p:nvPr/>
-      </p:nvGrpSpPr>
-      <p:grpSpPr>
-        <a:xfrm>
-          <a:off x="0" y="0"/>
-          <a:ext cx="0" cy="0"/>
-          <a:chOff x="0" y="0"/>
-          <a:chExt cx="0" cy="0"/>
-        </a:xfrm>
-      </p:grpSpPr>
-      <p:sp>
-        <p:nvSpPr>
-          <p:cNvPr id="2" name="Título 1">
-            <a:extLst>
-              <a:ext uri="{FF2B5EF4-FFF2-40B4-BE49-F238E27FC236}">
-                <a16:creationId xmlns:a16="http://schemas.microsoft.com/office/drawing/2014/main" id="{62DED86C-6875-454C-8BEA-05D36033BAAD}"/>
-              </a:ext>
-            </a:extLst>
-          </p:cNvPr>
-          <p:cNvSpPr>
-            <a:spLocks noGrp="1"/>
-          </p:cNvSpPr>
-          <p:nvPr>
-            <p:ph type="title"/>
-          </p:nvPr>
-        </p:nvSpPr>
-        <p:spPr/>
-        <p:txBody>
-          <a:bodyPr>
-            <a:normAutofit/>
-          </a:bodyPr>
-          <a:lstStyle/>
-          <a:p>
-            <a:pPr algn="ctr"/>
-            <a:r>
-              <a:rPr lang="pt-BR" sz="8800" dirty="0"/>
-              <a:t>Obrigada!!!</a:t>
-            </a:r>
-          </a:p>
-        </p:txBody>
-      </p:sp>
-      <p:sp>
-        <p:nvSpPr>
-          <p:cNvPr id="3" name="Espaço Reservado para Conteúdo 2">
-            <a:extLst>
-              <a:ext uri="{FF2B5EF4-FFF2-40B4-BE49-F238E27FC236}">
-                <a16:creationId xmlns:a16="http://schemas.microsoft.com/office/drawing/2014/main" id="{800BADA2-EA2B-43C4-ADFE-F1D8743007CE}"/>
-              </a:ext>
-            </a:extLst>
-          </p:cNvPr>
-          <p:cNvSpPr>
-            <a:spLocks noGrp="1"/>
-          </p:cNvSpPr>
-          <p:nvPr>
-            <p:ph idx="1"/>
-          </p:nvPr>
-        </p:nvSpPr>
-        <p:spPr>
-          <a:xfrm>
-            <a:off x="1141412" y="2584173"/>
-            <a:ext cx="9905999" cy="3207027"/>
-          </a:xfrm>
-        </p:spPr>
-        <p:txBody>
-          <a:bodyPr>
-            <a:normAutofit fontScale="92500" lnSpcReduction="10000"/>
-          </a:bodyPr>
-          <a:lstStyle/>
-          <a:p>
-            <a:pPr marL="0" indent="0" algn="ctr">
-              <a:buNone/>
-            </a:pPr>
-            <a:r>
-              <a:rPr lang="pt-BR" sz="19900" dirty="0"/>
-              <a:t>FIM!</a:t>
-            </a:r>
-          </a:p>
-        </p:txBody>
-      </p:sp>
-    </p:spTree>
-    <p:extLst>
-      <p:ext uri="{BB962C8B-B14F-4D97-AF65-F5344CB8AC3E}">
-        <p14:creationId xmlns:p14="http://schemas.microsoft.com/office/powerpoint/2010/main" val="1061795584"/>
-      </p:ext>
-    </p:extLst>
-  </p:cSld>
-  <p:clrMapOvr>
-    <a:masterClrMapping/>
-  </p:clrMapOvr>
-</p:sld>
-</file>
-
-<file path=ppt/slides/slide3.xml><?xml version="1.0" encoding="utf-8"?>
+<file path=ppt/slides/slide12.xml><?xml version="1.0" encoding="utf-8"?>
 <p:sld xmlns:a="http://schemas.openxmlformats.org/drawingml/2006/main" xmlns:r="http://schemas.openxmlformats.org/officeDocument/2006/relationships" xmlns:p="http://schemas.openxmlformats.org/presentationml/2006/main">
   <p:cSld>
     <p:spTree>
@@ -14208,7 +12771,7 @@
             <a:pPr algn="ctr"/>
             <a:r>
               <a:rPr lang="pt-BR" dirty="0"/>
-              <a:t>INTRODUÇÃO</a:t>
+              <a:t>projeto</a:t>
             </a:r>
           </a:p>
         </p:txBody>
@@ -14241,8 +12804,11 @@
           </a:bodyPr>
           <a:lstStyle/>
           <a:p>
-            <a:r>
-              <a:rPr lang="pt-BR" sz="2800" dirty="0"/>
+            <a:pPr marL="0" indent="0">
+              <a:buNone/>
+            </a:pPr>
+            <a:r>
+              <a:rPr lang="pt-BR" sz="2800" b="1" dirty="0"/>
               <a:t>Tecnologias utilizadas: </a:t>
             </a:r>
           </a:p>
@@ -14256,7 +12822,7 @@
             </a:r>
             <a:r>
               <a:rPr lang="pt-BR" sz="2800" dirty="0"/>
-              <a:t>: Python + Django </a:t>
+              <a:t>: Python + Django;</a:t>
             </a:r>
           </a:p>
           <a:p>
@@ -14265,7 +12831,7 @@
           <a:p>
             <a:r>
               <a:rPr lang="pt-BR" sz="2800" dirty="0"/>
-              <a:t>Banco de dados: MySQL</a:t>
+              <a:t>Banco de dados: MySQL;</a:t>
             </a:r>
           </a:p>
           <a:p>
@@ -14286,7 +12852,7 @@
             </a:r>
             <a:r>
               <a:rPr lang="pt-BR" sz="2800" dirty="0"/>
-              <a:t> </a:t>
+              <a:t>;</a:t>
             </a:r>
           </a:p>
         </p:txBody>
@@ -14304,7 +12870,7 @@
 </p:sld>
 </file>
 
-<file path=ppt/slides/slide4.xml><?xml version="1.0" encoding="utf-8"?>
+<file path=ppt/slides/slide13.xml><?xml version="1.0" encoding="utf-8"?>
 <p:sld xmlns:a="http://schemas.openxmlformats.org/drawingml/2006/main" xmlns:r="http://schemas.openxmlformats.org/officeDocument/2006/relationships" xmlns:p="http://schemas.openxmlformats.org/presentationml/2006/main">
   <p:cSld>
     <p:spTree>
@@ -14345,7 +12911,7 @@
             <a:pPr algn="ctr"/>
             <a:r>
               <a:rPr lang="pt-BR" dirty="0"/>
-              <a:t>introdução</a:t>
+              <a:t>projeto</a:t>
             </a:r>
           </a:p>
         </p:txBody>
@@ -14368,43 +12934,57 @@
         </p:nvSpPr>
         <p:spPr>
           <a:xfrm>
-            <a:off x="1141412" y="2097088"/>
-            <a:ext cx="9905999" cy="3694113"/>
+            <a:off x="1141412" y="1961322"/>
+            <a:ext cx="9905999" cy="3829879"/>
           </a:xfrm>
         </p:spPr>
         <p:txBody>
           <a:bodyPr>
-            <a:normAutofit lnSpcReduction="10000"/>
+            <a:normAutofit/>
           </a:bodyPr>
           <a:lstStyle/>
           <a:p>
+            <a:pPr marL="0" indent="0">
+              <a:buNone/>
+            </a:pPr>
             <a:r>
               <a:rPr lang="pt-BR" sz="2800" dirty="0"/>
               <a:t>Funcionalidades principais: </a:t>
             </a:r>
           </a:p>
           <a:p>
+            <a:pPr marL="0" indent="0">
+              <a:buNone/>
+            </a:pPr>
+            <a:endParaRPr lang="pt-BR" sz="1000" dirty="0"/>
+          </a:p>
+          <a:p>
+            <a:pPr lvl="1"/>
             <a:r>
               <a:rPr lang="pt-BR" sz="2800" dirty="0"/>
-              <a:t>Cadastro unificado de cliente e motorista </a:t>
-            </a:r>
-          </a:p>
-          <a:p>
+              <a:t>Cadastro unificado de cliente e motorista;</a:t>
+            </a:r>
+          </a:p>
+          <a:p>
+            <a:pPr lvl="1"/>
             <a:endParaRPr lang="pt-BR" sz="2800" dirty="0"/>
           </a:p>
           <a:p>
+            <a:pPr lvl="1"/>
             <a:r>
               <a:rPr lang="pt-BR" sz="2800" dirty="0"/>
-              <a:t>Login de usuários o Interface de listagem e edição</a:t>
-            </a:r>
-          </a:p>
-          <a:p>
+              <a:t>Login de usuários o Interface de listagem e edição;</a:t>
+            </a:r>
+          </a:p>
+          <a:p>
+            <a:pPr lvl="1"/>
             <a:endParaRPr lang="pt-BR" sz="2800" dirty="0"/>
           </a:p>
           <a:p>
+            <a:pPr lvl="1"/>
             <a:r>
               <a:rPr lang="pt-BR" sz="2800" dirty="0"/>
-              <a:t>Banco de dados relacional</a:t>
+              <a:t>Banco de dados relacional;</a:t>
             </a:r>
           </a:p>
         </p:txBody>
@@ -14422,7 +13002,7 @@
 </p:sld>
 </file>
 
-<file path=ppt/slides/slide5.xml><?xml version="1.0" encoding="utf-8"?>
+<file path=ppt/slides/slide14.xml><?xml version="1.0" encoding="utf-8"?>
 <p:sld xmlns:a="http://schemas.openxmlformats.org/drawingml/2006/main" xmlns:r="http://schemas.openxmlformats.org/officeDocument/2006/relationships" xmlns:p="http://schemas.openxmlformats.org/presentationml/2006/main">
   <p:cSld>
     <p:spTree>
@@ -14441,105 +13021,132 @@
       </p:grpSpPr>
       <p:sp>
         <p:nvSpPr>
-          <p:cNvPr id="4" name="CaixaDeTexto 3">
+          <p:cNvPr id="2" name="Título 1">
             <a:extLst>
               <a:ext uri="{FF2B5EF4-FFF2-40B4-BE49-F238E27FC236}">
-                <a16:creationId xmlns:a16="http://schemas.microsoft.com/office/drawing/2014/main" id="{3BCE58D7-DE30-47E0-8FB9-653B0FF9C0E3}"/>
+                <a16:creationId xmlns:a16="http://schemas.microsoft.com/office/drawing/2014/main" id="{12C81F97-F7E2-41A8-AACC-866F3678B65F}"/>
               </a:ext>
             </a:extLst>
           </p:cNvPr>
-          <p:cNvSpPr txBox="1"/>
-          <p:nvPr/>
+          <p:cNvSpPr>
+            <a:spLocks noGrp="1"/>
+          </p:cNvSpPr>
+          <p:nvPr>
+            <p:ph type="title"/>
+          </p:nvPr>
+        </p:nvSpPr>
+        <p:spPr/>
+        <p:txBody>
+          <a:bodyPr/>
+          <a:lstStyle/>
+          <a:p>
+            <a:pPr algn="ctr"/>
+            <a:r>
+              <a:rPr lang="pt-BR" dirty="0"/>
+              <a:t>Modelo Relacional do Banco de Dados</a:t>
+            </a:r>
+          </a:p>
+        </p:txBody>
+      </p:sp>
+      <p:sp>
+        <p:nvSpPr>
+          <p:cNvPr id="3" name="Espaço Reservado para Conteúdo 2">
+            <a:extLst>
+              <a:ext uri="{FF2B5EF4-FFF2-40B4-BE49-F238E27FC236}">
+                <a16:creationId xmlns:a16="http://schemas.microsoft.com/office/drawing/2014/main" id="{D35A6392-F389-4509-997E-87B4569D3A73}"/>
+              </a:ext>
+            </a:extLst>
+          </p:cNvPr>
+          <p:cNvSpPr>
+            <a:spLocks noGrp="1"/>
+          </p:cNvSpPr>
+          <p:nvPr>
+            <p:ph idx="1"/>
+          </p:nvPr>
         </p:nvSpPr>
         <p:spPr>
           <a:xfrm>
-            <a:off x="1172817" y="428178"/>
-            <a:ext cx="9846365" cy="5509200"/>
+            <a:off x="1141412" y="1948070"/>
+            <a:ext cx="9905999" cy="4412973"/>
           </a:xfrm>
-          <a:prstGeom prst="rect">
-            <a:avLst/>
-          </a:prstGeom>
-          <a:noFill/>
         </p:spPr>
         <p:txBody>
-          <a:bodyPr wrap="square" rtlCol="0">
-            <a:spAutoFit/>
-          </a:bodyPr>
+          <a:bodyPr/>
           <a:lstStyle/>
           <a:p>
-            <a:r>
-              <a:rPr lang="pt-BR" sz="3200" b="1" dirty="0"/>
-              <a:t>Modelagem Entidade-Relacionamento </a:t>
-            </a:r>
-          </a:p>
-          <a:p>
-            <a:r>
-              <a:rPr lang="pt-BR" sz="3200" dirty="0"/>
-              <a:t>• Modelo Conceitual (ER): </a:t>
-            </a:r>
-          </a:p>
-          <a:p>
-            <a:r>
-              <a:rPr lang="pt-BR" sz="3200" dirty="0"/>
-              <a:t>Entidades principais: Cliente, Motorista, Pedido, Entrega o Relacionamentos: </a:t>
-            </a:r>
-          </a:p>
-          <a:p>
-            <a:r>
-              <a:rPr lang="pt-BR" sz="3200" dirty="0"/>
-              <a:t>▪ Cliente realiza Pedido </a:t>
-            </a:r>
-          </a:p>
-          <a:p>
-            <a:r>
-              <a:rPr lang="pt-BR" sz="3200" dirty="0"/>
-              <a:t>▪ Pedido gera Entrega </a:t>
-            </a:r>
-          </a:p>
-          <a:p>
-            <a:r>
-              <a:rPr lang="pt-BR" sz="3200" dirty="0"/>
-              <a:t>▪ Entrega é feita por Motorista o Atributos relevantes: </a:t>
-            </a:r>
-          </a:p>
-          <a:p>
-            <a:r>
-              <a:rPr lang="pt-BR" sz="3200" dirty="0"/>
-              <a:t>▪ Cliente: nome, CPF/CNPJ, </a:t>
-            </a:r>
-            <a:r>
-              <a:rPr lang="pt-BR" sz="3200" dirty="0" err="1"/>
-              <a:t>email</a:t>
-            </a:r>
-            <a:r>
-              <a:rPr lang="pt-BR" sz="3200" dirty="0"/>
-              <a:t>, tipo, status </a:t>
-            </a:r>
-          </a:p>
-          <a:p>
-            <a:r>
-              <a:rPr lang="pt-BR" sz="3200" dirty="0"/>
-              <a:t>▪ Motorista: CNH, categoria, validade, contato </a:t>
-            </a:r>
-          </a:p>
-          <a:p>
-            <a:r>
-              <a:rPr lang="pt-BR" sz="3200" dirty="0"/>
-              <a:t>▪ Pedido: valor, status, forma de pagamento </a:t>
-            </a:r>
-          </a:p>
-          <a:p>
-            <a:r>
-              <a:rPr lang="pt-BR" sz="3200" dirty="0"/>
-              <a:t>▪ Entrega: </a:t>
-            </a:r>
-            <a:r>
-              <a:rPr lang="pt-BR" sz="3200" dirty="0" err="1"/>
-              <a:t>CTe</a:t>
-            </a:r>
-            <a:r>
-              <a:rPr lang="pt-BR" sz="3200" dirty="0"/>
-              <a:t>, datas, status, motorista vinculado</a:t>
+            <a:pPr marL="0" indent="0">
+              <a:buNone/>
+            </a:pPr>
+            <a:r>
+              <a:rPr lang="pt-BR" sz="2800" dirty="0"/>
+              <a:t>Banco: </a:t>
+            </a:r>
+            <a:r>
+              <a:rPr lang="pt-BR" sz="2800" dirty="0" err="1"/>
+              <a:t>transportadora_db</a:t>
+            </a:r>
+            <a:r>
+              <a:rPr lang="pt-BR" sz="2800" dirty="0"/>
+              <a:t>;</a:t>
+            </a:r>
+          </a:p>
+          <a:p>
+            <a:pPr marL="0" indent="0">
+              <a:buNone/>
+            </a:pPr>
+            <a:r>
+              <a:rPr lang="pt-BR" b="1" dirty="0"/>
+              <a:t>Tabelas principais: </a:t>
+            </a:r>
+          </a:p>
+          <a:p>
+            <a:pPr marL="0" indent="0">
+              <a:buNone/>
+            </a:pPr>
+            <a:endParaRPr lang="pt-BR" sz="800" b="1" dirty="0"/>
+          </a:p>
+          <a:p>
+            <a:pPr lvl="1"/>
+            <a:r>
+              <a:rPr lang="pt-BR" sz="2800" dirty="0"/>
+              <a:t>Cliente: informações pessoais, contato, tipo (PF ou PJ), </a:t>
+            </a:r>
+            <a:r>
+              <a:rPr lang="pt-BR" sz="2800" dirty="0" err="1"/>
+              <a:t>etc</a:t>
+            </a:r>
+            <a:r>
+              <a:rPr lang="pt-BR" sz="2800" dirty="0"/>
+              <a:t>;</a:t>
+            </a:r>
+          </a:p>
+          <a:p>
+            <a:pPr lvl="1"/>
+            <a:r>
+              <a:rPr lang="pt-BR" sz="2800" dirty="0"/>
+              <a:t>Motorista: inclui CNH, categoria, validade, </a:t>
+            </a:r>
+            <a:r>
+              <a:rPr lang="pt-BR" sz="2800" dirty="0" err="1"/>
+              <a:t>etc</a:t>
+            </a:r>
+            <a:r>
+              <a:rPr lang="pt-BR" sz="2800" dirty="0"/>
+              <a:t>;</a:t>
+            </a:r>
+          </a:p>
+          <a:p>
+            <a:pPr lvl="1"/>
+            <a:r>
+              <a:rPr lang="pt-BR" sz="2800" dirty="0"/>
+              <a:t>Pedido: vinculado a um cliente;</a:t>
+            </a:r>
+          </a:p>
+          <a:p>
+            <a:pPr lvl="1"/>
+            <a:r>
+              <a:rPr lang="pt-BR" sz="2800" dirty="0"/>
+              <a:t>Entrega: vinculada a um pedido e a um motorista;</a:t>
             </a:r>
           </a:p>
         </p:txBody>
@@ -14547,7 +13154,7 @@
     </p:spTree>
     <p:extLst>
       <p:ext uri="{BB962C8B-B14F-4D97-AF65-F5344CB8AC3E}">
-        <p14:creationId xmlns:p14="http://schemas.microsoft.com/office/powerpoint/2010/main" val="2979037930"/>
+        <p14:creationId xmlns:p14="http://schemas.microsoft.com/office/powerpoint/2010/main" val="230979934"/>
       </p:ext>
     </p:extLst>
   </p:cSld>
@@ -14557,7 +13164,1084 @@
 </p:sld>
 </file>
 
-<file path=ppt/slides/slide6.xml><?xml version="1.0" encoding="utf-8"?>
+<file path=ppt/slides/slide15.xml><?xml version="1.0" encoding="utf-8"?>
+<p:sld xmlns:a="http://schemas.openxmlformats.org/drawingml/2006/main" xmlns:r="http://schemas.openxmlformats.org/officeDocument/2006/relationships" xmlns:p="http://schemas.openxmlformats.org/presentationml/2006/main">
+  <p:cSld>
+    <p:spTree>
+      <p:nvGrpSpPr>
+        <p:cNvPr id="1" name=""/>
+        <p:cNvGrpSpPr/>
+        <p:nvPr/>
+      </p:nvGrpSpPr>
+      <p:grpSpPr>
+        <a:xfrm>
+          <a:off x="0" y="0"/>
+          <a:ext cx="0" cy="0"/>
+          <a:chOff x="0" y="0"/>
+          <a:chExt cx="0" cy="0"/>
+        </a:xfrm>
+      </p:grpSpPr>
+      <p:sp>
+        <p:nvSpPr>
+          <p:cNvPr id="2" name="Título 1">
+            <a:extLst>
+              <a:ext uri="{FF2B5EF4-FFF2-40B4-BE49-F238E27FC236}">
+                <a16:creationId xmlns:a16="http://schemas.microsoft.com/office/drawing/2014/main" id="{D76CD3EF-0D68-4BC7-B11F-B0080CE4863F}"/>
+              </a:ext>
+            </a:extLst>
+          </p:cNvPr>
+          <p:cNvSpPr>
+            <a:spLocks noGrp="1"/>
+          </p:cNvSpPr>
+          <p:nvPr>
+            <p:ph type="title"/>
+          </p:nvPr>
+        </p:nvSpPr>
+        <p:spPr/>
+        <p:txBody>
+          <a:bodyPr/>
+          <a:lstStyle/>
+          <a:p>
+            <a:pPr algn="ctr"/>
+            <a:r>
+              <a:rPr lang="pt-BR" dirty="0"/>
+              <a:t>Relacionamentos</a:t>
+            </a:r>
+          </a:p>
+        </p:txBody>
+      </p:sp>
+      <p:sp>
+        <p:nvSpPr>
+          <p:cNvPr id="3" name="Espaço Reservado para Conteúdo 2">
+            <a:extLst>
+              <a:ext uri="{FF2B5EF4-FFF2-40B4-BE49-F238E27FC236}">
+                <a16:creationId xmlns:a16="http://schemas.microsoft.com/office/drawing/2014/main" id="{E5271043-DDF7-4148-8B1D-60D1F3037B43}"/>
+              </a:ext>
+            </a:extLst>
+          </p:cNvPr>
+          <p:cNvSpPr>
+            <a:spLocks noGrp="1"/>
+          </p:cNvSpPr>
+          <p:nvPr>
+            <p:ph idx="1"/>
+          </p:nvPr>
+        </p:nvSpPr>
+        <p:spPr/>
+        <p:txBody>
+          <a:bodyPr>
+            <a:normAutofit/>
+          </a:bodyPr>
+          <a:lstStyle/>
+          <a:p>
+            <a:r>
+              <a:rPr lang="pt-BR" sz="2800" dirty="0"/>
+              <a:t>Um cliente pode ter vários pedidos;</a:t>
+            </a:r>
+          </a:p>
+          <a:p>
+            <a:endParaRPr lang="pt-BR" sz="2800" dirty="0"/>
+          </a:p>
+          <a:p>
+            <a:r>
+              <a:rPr lang="pt-BR" sz="2800" dirty="0"/>
+              <a:t>Um pedido gera uma entrega;</a:t>
+            </a:r>
+          </a:p>
+          <a:p>
+            <a:endParaRPr lang="pt-BR" sz="2800" dirty="0"/>
+          </a:p>
+          <a:p>
+            <a:r>
+              <a:rPr lang="pt-BR" sz="2800" dirty="0"/>
+              <a:t>Um motorista pode realizar várias entregas;</a:t>
+            </a:r>
+          </a:p>
+        </p:txBody>
+      </p:sp>
+    </p:spTree>
+    <p:extLst>
+      <p:ext uri="{BB962C8B-B14F-4D97-AF65-F5344CB8AC3E}">
+        <p14:creationId xmlns:p14="http://schemas.microsoft.com/office/powerpoint/2010/main" val="4165467048"/>
+      </p:ext>
+    </p:extLst>
+  </p:cSld>
+  <p:clrMapOvr>
+    <a:masterClrMapping/>
+  </p:clrMapOvr>
+</p:sld>
+</file>
+
+<file path=ppt/slides/slide16.xml><?xml version="1.0" encoding="utf-8"?>
+<p:sld xmlns:a="http://schemas.openxmlformats.org/drawingml/2006/main" xmlns:r="http://schemas.openxmlformats.org/officeDocument/2006/relationships" xmlns:p="http://schemas.openxmlformats.org/presentationml/2006/main">
+  <p:cSld>
+    <p:spTree>
+      <p:nvGrpSpPr>
+        <p:cNvPr id="1" name=""/>
+        <p:cNvGrpSpPr/>
+        <p:nvPr/>
+      </p:nvGrpSpPr>
+      <p:grpSpPr>
+        <a:xfrm>
+          <a:off x="0" y="0"/>
+          <a:ext cx="0" cy="0"/>
+          <a:chOff x="0" y="0"/>
+          <a:chExt cx="0" cy="0"/>
+        </a:xfrm>
+      </p:grpSpPr>
+      <p:pic>
+        <p:nvPicPr>
+          <p:cNvPr id="3" name="Imagem 2">
+            <a:extLst>
+              <a:ext uri="{FF2B5EF4-FFF2-40B4-BE49-F238E27FC236}">
+                <a16:creationId xmlns:a16="http://schemas.microsoft.com/office/drawing/2014/main" id="{AADD3E52-04D8-41C2-9BB2-4B7E0E5F4C1D}"/>
+              </a:ext>
+            </a:extLst>
+          </p:cNvPr>
+          <p:cNvPicPr>
+            <a:picLocks noChangeAspect="1"/>
+          </p:cNvPicPr>
+          <p:nvPr/>
+        </p:nvPicPr>
+        <p:blipFill>
+          <a:blip r:embed="rId2"/>
+          <a:stretch>
+            <a:fillRect/>
+          </a:stretch>
+        </p:blipFill>
+        <p:spPr>
+          <a:xfrm>
+            <a:off x="0" y="566336"/>
+            <a:ext cx="12192000" cy="5725327"/>
+          </a:xfrm>
+          <a:prstGeom prst="rect">
+            <a:avLst/>
+          </a:prstGeom>
+        </p:spPr>
+      </p:pic>
+    </p:spTree>
+    <p:extLst>
+      <p:ext uri="{BB962C8B-B14F-4D97-AF65-F5344CB8AC3E}">
+        <p14:creationId xmlns:p14="http://schemas.microsoft.com/office/powerpoint/2010/main" val="2493107825"/>
+      </p:ext>
+    </p:extLst>
+  </p:cSld>
+  <p:clrMapOvr>
+    <a:masterClrMapping/>
+  </p:clrMapOvr>
+</p:sld>
+</file>
+
+<file path=ppt/slides/slide17.xml><?xml version="1.0" encoding="utf-8"?>
+<p:sld xmlns:a="http://schemas.openxmlformats.org/drawingml/2006/main" xmlns:r="http://schemas.openxmlformats.org/officeDocument/2006/relationships" xmlns:p="http://schemas.openxmlformats.org/presentationml/2006/main">
+  <p:cSld>
+    <p:spTree>
+      <p:nvGrpSpPr>
+        <p:cNvPr id="1" name=""/>
+        <p:cNvGrpSpPr/>
+        <p:nvPr/>
+      </p:nvGrpSpPr>
+      <p:grpSpPr>
+        <a:xfrm>
+          <a:off x="0" y="0"/>
+          <a:ext cx="0" cy="0"/>
+          <a:chOff x="0" y="0"/>
+          <a:chExt cx="0" cy="0"/>
+        </a:xfrm>
+      </p:grpSpPr>
+      <p:pic>
+        <p:nvPicPr>
+          <p:cNvPr id="3" name="Imagem 2">
+            <a:extLst>
+              <a:ext uri="{FF2B5EF4-FFF2-40B4-BE49-F238E27FC236}">
+                <a16:creationId xmlns:a16="http://schemas.microsoft.com/office/drawing/2014/main" id="{FE652EA4-42CE-4990-A45E-6373995E48E2}"/>
+              </a:ext>
+            </a:extLst>
+          </p:cNvPr>
+          <p:cNvPicPr>
+            <a:picLocks noChangeAspect="1"/>
+          </p:cNvPicPr>
+          <p:nvPr/>
+        </p:nvPicPr>
+        <p:blipFill>
+          <a:blip r:embed="rId2"/>
+          <a:stretch>
+            <a:fillRect/>
+          </a:stretch>
+        </p:blipFill>
+        <p:spPr>
+          <a:xfrm>
+            <a:off x="0" y="607785"/>
+            <a:ext cx="12192000" cy="5642429"/>
+          </a:xfrm>
+          <a:prstGeom prst="rect">
+            <a:avLst/>
+          </a:prstGeom>
+        </p:spPr>
+      </p:pic>
+    </p:spTree>
+    <p:extLst>
+      <p:ext uri="{BB962C8B-B14F-4D97-AF65-F5344CB8AC3E}">
+        <p14:creationId xmlns:p14="http://schemas.microsoft.com/office/powerpoint/2010/main" val="3498198900"/>
+      </p:ext>
+    </p:extLst>
+  </p:cSld>
+  <p:clrMapOvr>
+    <a:masterClrMapping/>
+  </p:clrMapOvr>
+</p:sld>
+</file>
+
+<file path=ppt/slides/slide18.xml><?xml version="1.0" encoding="utf-8"?>
+<p:sld xmlns:a="http://schemas.openxmlformats.org/drawingml/2006/main" xmlns:r="http://schemas.openxmlformats.org/officeDocument/2006/relationships" xmlns:p="http://schemas.openxmlformats.org/presentationml/2006/main">
+  <p:cSld>
+    <p:spTree>
+      <p:nvGrpSpPr>
+        <p:cNvPr id="1" name=""/>
+        <p:cNvGrpSpPr/>
+        <p:nvPr/>
+      </p:nvGrpSpPr>
+      <p:grpSpPr>
+        <a:xfrm>
+          <a:off x="0" y="0"/>
+          <a:ext cx="0" cy="0"/>
+          <a:chOff x="0" y="0"/>
+          <a:chExt cx="0" cy="0"/>
+        </a:xfrm>
+      </p:grpSpPr>
+      <p:pic>
+        <p:nvPicPr>
+          <p:cNvPr id="3" name="Imagem 2">
+            <a:extLst>
+              <a:ext uri="{FF2B5EF4-FFF2-40B4-BE49-F238E27FC236}">
+                <a16:creationId xmlns:a16="http://schemas.microsoft.com/office/drawing/2014/main" id="{FD27FC2A-9EB1-438A-A68D-79DC1BD247E0}"/>
+              </a:ext>
+            </a:extLst>
+          </p:cNvPr>
+          <p:cNvPicPr>
+            <a:picLocks noChangeAspect="1"/>
+          </p:cNvPicPr>
+          <p:nvPr/>
+        </p:nvPicPr>
+        <p:blipFill>
+          <a:blip r:embed="rId2"/>
+          <a:stretch>
+            <a:fillRect/>
+          </a:stretch>
+        </p:blipFill>
+        <p:spPr>
+          <a:xfrm>
+            <a:off x="0" y="577357"/>
+            <a:ext cx="12192000" cy="5703286"/>
+          </a:xfrm>
+          <a:prstGeom prst="rect">
+            <a:avLst/>
+          </a:prstGeom>
+        </p:spPr>
+      </p:pic>
+    </p:spTree>
+    <p:extLst>
+      <p:ext uri="{BB962C8B-B14F-4D97-AF65-F5344CB8AC3E}">
+        <p14:creationId xmlns:p14="http://schemas.microsoft.com/office/powerpoint/2010/main" val="1365337590"/>
+      </p:ext>
+    </p:extLst>
+  </p:cSld>
+  <p:clrMapOvr>
+    <a:masterClrMapping/>
+  </p:clrMapOvr>
+</p:sld>
+</file>
+
+<file path=ppt/slides/slide19.xml><?xml version="1.0" encoding="utf-8"?>
+<p:sld xmlns:a="http://schemas.openxmlformats.org/drawingml/2006/main" xmlns:r="http://schemas.openxmlformats.org/officeDocument/2006/relationships" xmlns:p="http://schemas.openxmlformats.org/presentationml/2006/main">
+  <p:cSld>
+    <p:spTree>
+      <p:nvGrpSpPr>
+        <p:cNvPr id="1" name=""/>
+        <p:cNvGrpSpPr/>
+        <p:nvPr/>
+      </p:nvGrpSpPr>
+      <p:grpSpPr>
+        <a:xfrm>
+          <a:off x="0" y="0"/>
+          <a:ext cx="0" cy="0"/>
+          <a:chOff x="0" y="0"/>
+          <a:chExt cx="0" cy="0"/>
+        </a:xfrm>
+      </p:grpSpPr>
+      <p:pic>
+        <p:nvPicPr>
+          <p:cNvPr id="3" name="Imagem 2">
+            <a:extLst>
+              <a:ext uri="{FF2B5EF4-FFF2-40B4-BE49-F238E27FC236}">
+                <a16:creationId xmlns:a16="http://schemas.microsoft.com/office/drawing/2014/main" id="{5F4B278B-0484-4CAD-9F92-9DBD350A80F9}"/>
+              </a:ext>
+            </a:extLst>
+          </p:cNvPr>
+          <p:cNvPicPr>
+            <a:picLocks noChangeAspect="1"/>
+          </p:cNvPicPr>
+          <p:nvPr/>
+        </p:nvPicPr>
+        <p:blipFill>
+          <a:blip r:embed="rId2"/>
+          <a:stretch>
+            <a:fillRect/>
+          </a:stretch>
+        </p:blipFill>
+        <p:spPr>
+          <a:xfrm>
+            <a:off x="0" y="559506"/>
+            <a:ext cx="12192000" cy="5738987"/>
+          </a:xfrm>
+          <a:prstGeom prst="rect">
+            <a:avLst/>
+          </a:prstGeom>
+        </p:spPr>
+      </p:pic>
+    </p:spTree>
+    <p:extLst>
+      <p:ext uri="{BB962C8B-B14F-4D97-AF65-F5344CB8AC3E}">
+        <p14:creationId xmlns:p14="http://schemas.microsoft.com/office/powerpoint/2010/main" val="3223441340"/>
+      </p:ext>
+    </p:extLst>
+  </p:cSld>
+  <p:clrMapOvr>
+    <a:masterClrMapping/>
+  </p:clrMapOvr>
+</p:sld>
+</file>
+
+<file path=ppt/slides/slide2.xml><?xml version="1.0" encoding="utf-8"?>
+<p:sld xmlns:a="http://schemas.openxmlformats.org/drawingml/2006/main" xmlns:r="http://schemas.openxmlformats.org/officeDocument/2006/relationships" xmlns:p="http://schemas.openxmlformats.org/presentationml/2006/main">
+  <p:cSld>
+    <p:spTree>
+      <p:nvGrpSpPr>
+        <p:cNvPr id="1" name=""/>
+        <p:cNvGrpSpPr/>
+        <p:nvPr/>
+      </p:nvGrpSpPr>
+      <p:grpSpPr>
+        <a:xfrm>
+          <a:off x="0" y="0"/>
+          <a:ext cx="0" cy="0"/>
+          <a:chOff x="0" y="0"/>
+          <a:chExt cx="0" cy="0"/>
+        </a:xfrm>
+      </p:grpSpPr>
+      <p:sp>
+        <p:nvSpPr>
+          <p:cNvPr id="2" name="Título 1">
+            <a:extLst>
+              <a:ext uri="{FF2B5EF4-FFF2-40B4-BE49-F238E27FC236}">
+                <a16:creationId xmlns:a16="http://schemas.microsoft.com/office/drawing/2014/main" id="{11F779E6-9C18-4286-B335-9775E8CCB2B8}"/>
+              </a:ext>
+            </a:extLst>
+          </p:cNvPr>
+          <p:cNvSpPr>
+            <a:spLocks noGrp="1"/>
+          </p:cNvSpPr>
+          <p:nvPr>
+            <p:ph type="title"/>
+          </p:nvPr>
+        </p:nvSpPr>
+        <p:spPr/>
+        <p:txBody>
+          <a:bodyPr/>
+          <a:lstStyle/>
+          <a:p>
+            <a:pPr algn="ctr"/>
+            <a:r>
+              <a:rPr lang="pt-BR" dirty="0"/>
+              <a:t>Problema</a:t>
+            </a:r>
+          </a:p>
+        </p:txBody>
+      </p:sp>
+      <p:sp>
+        <p:nvSpPr>
+          <p:cNvPr id="3" name="Espaço Reservado para Conteúdo 2">
+            <a:extLst>
+              <a:ext uri="{FF2B5EF4-FFF2-40B4-BE49-F238E27FC236}">
+                <a16:creationId xmlns:a16="http://schemas.microsoft.com/office/drawing/2014/main" id="{DDD195F5-5083-43BB-B05A-78A733EE952F}"/>
+              </a:ext>
+            </a:extLst>
+          </p:cNvPr>
+          <p:cNvSpPr>
+            <a:spLocks noGrp="1"/>
+          </p:cNvSpPr>
+          <p:nvPr>
+            <p:ph idx="1"/>
+          </p:nvPr>
+        </p:nvSpPr>
+        <p:spPr>
+          <a:xfrm>
+            <a:off x="1141412" y="2249487"/>
+            <a:ext cx="9905999" cy="3767000"/>
+          </a:xfrm>
+        </p:spPr>
+        <p:txBody>
+          <a:bodyPr>
+            <a:normAutofit/>
+          </a:bodyPr>
+          <a:lstStyle/>
+          <a:p>
+            <a:r>
+              <a:rPr lang="pt-BR" sz="3200" dirty="0"/>
+              <a:t>Sistemas legados e falta de integração;</a:t>
+            </a:r>
+          </a:p>
+          <a:p>
+            <a:endParaRPr lang="pt-BR" sz="3200" dirty="0"/>
+          </a:p>
+          <a:p>
+            <a:r>
+              <a:rPr lang="pt-BR" sz="3200" dirty="0"/>
+              <a:t>Baixa adoção de tecnologia e automação;</a:t>
+            </a:r>
+          </a:p>
+          <a:p>
+            <a:endParaRPr lang="pt-BR" sz="3200" dirty="0"/>
+          </a:p>
+          <a:p>
+            <a:r>
+              <a:rPr lang="pt-BR" sz="3200" dirty="0"/>
+              <a:t>Infraestrutura de TI inadequada;</a:t>
+            </a:r>
+          </a:p>
+        </p:txBody>
+      </p:sp>
+    </p:spTree>
+    <p:extLst>
+      <p:ext uri="{BB962C8B-B14F-4D97-AF65-F5344CB8AC3E}">
+        <p14:creationId xmlns:p14="http://schemas.microsoft.com/office/powerpoint/2010/main" val="908378806"/>
+      </p:ext>
+    </p:extLst>
+  </p:cSld>
+  <p:clrMapOvr>
+    <a:masterClrMapping/>
+  </p:clrMapOvr>
+</p:sld>
+</file>
+
+<file path=ppt/slides/slide20.xml><?xml version="1.0" encoding="utf-8"?>
+<p:sld xmlns:a="http://schemas.openxmlformats.org/drawingml/2006/main" xmlns:r="http://schemas.openxmlformats.org/officeDocument/2006/relationships" xmlns:p="http://schemas.openxmlformats.org/presentationml/2006/main">
+  <p:cSld>
+    <p:spTree>
+      <p:nvGrpSpPr>
+        <p:cNvPr id="1" name=""/>
+        <p:cNvGrpSpPr/>
+        <p:nvPr/>
+      </p:nvGrpSpPr>
+      <p:grpSpPr>
+        <a:xfrm>
+          <a:off x="0" y="0"/>
+          <a:ext cx="0" cy="0"/>
+          <a:chOff x="0" y="0"/>
+          <a:chExt cx="0" cy="0"/>
+        </a:xfrm>
+      </p:grpSpPr>
+      <p:pic>
+        <p:nvPicPr>
+          <p:cNvPr id="3" name="Imagem 2">
+            <a:extLst>
+              <a:ext uri="{FF2B5EF4-FFF2-40B4-BE49-F238E27FC236}">
+                <a16:creationId xmlns:a16="http://schemas.microsoft.com/office/drawing/2014/main" id="{A317E23E-0F83-42E5-8EF8-D04CFC56B5C1}"/>
+              </a:ext>
+            </a:extLst>
+          </p:cNvPr>
+          <p:cNvPicPr>
+            <a:picLocks noChangeAspect="1"/>
+          </p:cNvPicPr>
+          <p:nvPr/>
+        </p:nvPicPr>
+        <p:blipFill>
+          <a:blip r:embed="rId2"/>
+          <a:stretch>
+            <a:fillRect/>
+          </a:stretch>
+        </p:blipFill>
+        <p:spPr>
+          <a:xfrm>
+            <a:off x="0" y="563969"/>
+            <a:ext cx="12192000" cy="5730062"/>
+          </a:xfrm>
+          <a:prstGeom prst="rect">
+            <a:avLst/>
+          </a:prstGeom>
+        </p:spPr>
+      </p:pic>
+    </p:spTree>
+    <p:extLst>
+      <p:ext uri="{BB962C8B-B14F-4D97-AF65-F5344CB8AC3E}">
+        <p14:creationId xmlns:p14="http://schemas.microsoft.com/office/powerpoint/2010/main" val="665741363"/>
+      </p:ext>
+    </p:extLst>
+  </p:cSld>
+  <p:clrMapOvr>
+    <a:masterClrMapping/>
+  </p:clrMapOvr>
+</p:sld>
+</file>
+
+<file path=ppt/slides/slide21.xml><?xml version="1.0" encoding="utf-8"?>
+<p:sld xmlns:a="http://schemas.openxmlformats.org/drawingml/2006/main" xmlns:r="http://schemas.openxmlformats.org/officeDocument/2006/relationships" xmlns:p="http://schemas.openxmlformats.org/presentationml/2006/main">
+  <p:cSld>
+    <p:spTree>
+      <p:nvGrpSpPr>
+        <p:cNvPr id="1" name=""/>
+        <p:cNvGrpSpPr/>
+        <p:nvPr/>
+      </p:nvGrpSpPr>
+      <p:grpSpPr>
+        <a:xfrm>
+          <a:off x="0" y="0"/>
+          <a:ext cx="0" cy="0"/>
+          <a:chOff x="0" y="0"/>
+          <a:chExt cx="0" cy="0"/>
+        </a:xfrm>
+      </p:grpSpPr>
+      <p:pic>
+        <p:nvPicPr>
+          <p:cNvPr id="3" name="Imagem 2">
+            <a:extLst>
+              <a:ext uri="{FF2B5EF4-FFF2-40B4-BE49-F238E27FC236}">
+                <a16:creationId xmlns:a16="http://schemas.microsoft.com/office/drawing/2014/main" id="{DC875D56-FE1F-4890-8C00-0EAAD6EC311A}"/>
+              </a:ext>
+            </a:extLst>
+          </p:cNvPr>
+          <p:cNvPicPr>
+            <a:picLocks noChangeAspect="1"/>
+          </p:cNvPicPr>
+          <p:nvPr/>
+        </p:nvPicPr>
+        <p:blipFill>
+          <a:blip r:embed="rId2"/>
+          <a:stretch>
+            <a:fillRect/>
+          </a:stretch>
+        </p:blipFill>
+        <p:spPr>
+          <a:xfrm>
+            <a:off x="0" y="586282"/>
+            <a:ext cx="12192000" cy="5685435"/>
+          </a:xfrm>
+          <a:prstGeom prst="rect">
+            <a:avLst/>
+          </a:prstGeom>
+        </p:spPr>
+      </p:pic>
+    </p:spTree>
+    <p:extLst>
+      <p:ext uri="{BB962C8B-B14F-4D97-AF65-F5344CB8AC3E}">
+        <p14:creationId xmlns:p14="http://schemas.microsoft.com/office/powerpoint/2010/main" val="4153538446"/>
+      </p:ext>
+    </p:extLst>
+  </p:cSld>
+  <p:clrMapOvr>
+    <a:masterClrMapping/>
+  </p:clrMapOvr>
+</p:sld>
+</file>
+
+<file path=ppt/slides/slide22.xml><?xml version="1.0" encoding="utf-8"?>
+<p:sld xmlns:a="http://schemas.openxmlformats.org/drawingml/2006/main" xmlns:r="http://schemas.openxmlformats.org/officeDocument/2006/relationships" xmlns:p="http://schemas.openxmlformats.org/presentationml/2006/main">
+  <p:cSld>
+    <p:spTree>
+      <p:nvGrpSpPr>
+        <p:cNvPr id="1" name=""/>
+        <p:cNvGrpSpPr/>
+        <p:nvPr/>
+      </p:nvGrpSpPr>
+      <p:grpSpPr>
+        <a:xfrm>
+          <a:off x="0" y="0"/>
+          <a:ext cx="0" cy="0"/>
+          <a:chOff x="0" y="0"/>
+          <a:chExt cx="0" cy="0"/>
+        </a:xfrm>
+      </p:grpSpPr>
+      <p:sp>
+        <p:nvSpPr>
+          <p:cNvPr id="2" name="Título 1">
+            <a:extLst>
+              <a:ext uri="{FF2B5EF4-FFF2-40B4-BE49-F238E27FC236}">
+                <a16:creationId xmlns:a16="http://schemas.microsoft.com/office/drawing/2014/main" id="{BB224279-9C22-4921-AC58-7C6DB20ED06B}"/>
+              </a:ext>
+            </a:extLst>
+          </p:cNvPr>
+          <p:cNvSpPr>
+            <a:spLocks noGrp="1"/>
+          </p:cNvSpPr>
+          <p:nvPr>
+            <p:ph type="title"/>
+          </p:nvPr>
+        </p:nvSpPr>
+        <p:spPr/>
+        <p:txBody>
+          <a:bodyPr/>
+          <a:lstStyle/>
+          <a:p>
+            <a:pPr algn="ctr"/>
+            <a:r>
+              <a:rPr lang="pt-BR" dirty="0"/>
+              <a:t>Considerações Finais</a:t>
+            </a:r>
+          </a:p>
+        </p:txBody>
+      </p:sp>
+      <p:sp>
+        <p:nvSpPr>
+          <p:cNvPr id="3" name="Espaço Reservado para Conteúdo 2">
+            <a:extLst>
+              <a:ext uri="{FF2B5EF4-FFF2-40B4-BE49-F238E27FC236}">
+                <a16:creationId xmlns:a16="http://schemas.microsoft.com/office/drawing/2014/main" id="{A6127EBB-8F91-4E2D-A1AA-6FD87C88B001}"/>
+              </a:ext>
+            </a:extLst>
+          </p:cNvPr>
+          <p:cNvSpPr>
+            <a:spLocks noGrp="1"/>
+          </p:cNvSpPr>
+          <p:nvPr>
+            <p:ph idx="1"/>
+          </p:nvPr>
+        </p:nvSpPr>
+        <p:spPr>
+          <a:xfrm>
+            <a:off x="1141412" y="2097088"/>
+            <a:ext cx="9905999" cy="3694113"/>
+          </a:xfrm>
+        </p:spPr>
+        <p:txBody>
+          <a:bodyPr>
+            <a:normAutofit/>
+          </a:bodyPr>
+          <a:lstStyle/>
+          <a:p>
+            <a:pPr marL="0" indent="0">
+              <a:buNone/>
+            </a:pPr>
+            <a:r>
+              <a:rPr lang="pt-BR" sz="2800" b="1" dirty="0"/>
+              <a:t>Projeto concluído com foco em: </a:t>
+            </a:r>
+          </a:p>
+          <a:p>
+            <a:pPr marL="0" indent="0">
+              <a:buNone/>
+            </a:pPr>
+            <a:endParaRPr lang="pt-BR" sz="800" b="1" dirty="0"/>
+          </a:p>
+          <a:p>
+            <a:pPr lvl="1"/>
+            <a:r>
+              <a:rPr lang="pt-BR" sz="2800" dirty="0"/>
+              <a:t>Banco relacional funcional;</a:t>
+            </a:r>
+          </a:p>
+          <a:p>
+            <a:pPr lvl="1"/>
+            <a:r>
+              <a:rPr lang="pt-BR" sz="2800" dirty="0"/>
+              <a:t>Cadastro completo de usuário, cliente e motorista;</a:t>
+            </a:r>
+          </a:p>
+          <a:p>
+            <a:pPr lvl="1"/>
+            <a:r>
+              <a:rPr lang="pt-BR" sz="2800" dirty="0"/>
+              <a:t>Segurança via autenticação e proteção de rotas;</a:t>
+            </a:r>
+          </a:p>
+        </p:txBody>
+      </p:sp>
+    </p:spTree>
+    <p:extLst>
+      <p:ext uri="{BB962C8B-B14F-4D97-AF65-F5344CB8AC3E}">
+        <p14:creationId xmlns:p14="http://schemas.microsoft.com/office/powerpoint/2010/main" val="2820432831"/>
+      </p:ext>
+    </p:extLst>
+  </p:cSld>
+  <p:clrMapOvr>
+    <a:masterClrMapping/>
+  </p:clrMapOvr>
+</p:sld>
+</file>
+
+<file path=ppt/slides/slide23.xml><?xml version="1.0" encoding="utf-8"?>
+<p:sld xmlns:a="http://schemas.openxmlformats.org/drawingml/2006/main" xmlns:r="http://schemas.openxmlformats.org/officeDocument/2006/relationships" xmlns:p="http://schemas.openxmlformats.org/presentationml/2006/main">
+  <p:cSld>
+    <p:spTree>
+      <p:nvGrpSpPr>
+        <p:cNvPr id="1" name=""/>
+        <p:cNvGrpSpPr/>
+        <p:nvPr/>
+      </p:nvGrpSpPr>
+      <p:grpSpPr>
+        <a:xfrm>
+          <a:off x="0" y="0"/>
+          <a:ext cx="0" cy="0"/>
+          <a:chOff x="0" y="0"/>
+          <a:chExt cx="0" cy="0"/>
+        </a:xfrm>
+      </p:grpSpPr>
+      <p:sp>
+        <p:nvSpPr>
+          <p:cNvPr id="2" name="Título 1">
+            <a:extLst>
+              <a:ext uri="{FF2B5EF4-FFF2-40B4-BE49-F238E27FC236}">
+                <a16:creationId xmlns:a16="http://schemas.microsoft.com/office/drawing/2014/main" id="{62DED86C-6875-454C-8BEA-05D36033BAAD}"/>
+              </a:ext>
+            </a:extLst>
+          </p:cNvPr>
+          <p:cNvSpPr>
+            <a:spLocks noGrp="1"/>
+          </p:cNvSpPr>
+          <p:nvPr>
+            <p:ph type="title"/>
+          </p:nvPr>
+        </p:nvSpPr>
+        <p:spPr/>
+        <p:txBody>
+          <a:bodyPr>
+            <a:noAutofit/>
+          </a:bodyPr>
+          <a:lstStyle/>
+          <a:p>
+            <a:pPr algn="ctr"/>
+            <a:r>
+              <a:rPr lang="pt-BR" sz="12500" dirty="0"/>
+              <a:t>FIM</a:t>
+            </a:r>
+          </a:p>
+        </p:txBody>
+      </p:sp>
+      <p:sp>
+        <p:nvSpPr>
+          <p:cNvPr id="3" name="Espaço Reservado para Conteúdo 2">
+            <a:extLst>
+              <a:ext uri="{FF2B5EF4-FFF2-40B4-BE49-F238E27FC236}">
+                <a16:creationId xmlns:a16="http://schemas.microsoft.com/office/drawing/2014/main" id="{800BADA2-EA2B-43C4-ADFE-F1D8743007CE}"/>
+              </a:ext>
+            </a:extLst>
+          </p:cNvPr>
+          <p:cNvSpPr>
+            <a:spLocks noGrp="1"/>
+          </p:cNvSpPr>
+          <p:nvPr>
+            <p:ph idx="1"/>
+          </p:nvPr>
+        </p:nvSpPr>
+        <p:spPr>
+          <a:xfrm>
+            <a:off x="1141412" y="2584173"/>
+            <a:ext cx="9905999" cy="3655309"/>
+          </a:xfrm>
+        </p:spPr>
+        <p:txBody>
+          <a:bodyPr>
+            <a:normAutofit/>
+          </a:bodyPr>
+          <a:lstStyle/>
+          <a:p>
+            <a:pPr marL="0" indent="0" algn="ctr">
+              <a:buNone/>
+            </a:pPr>
+            <a:r>
+              <a:rPr lang="pt-BR" sz="13800" dirty="0"/>
+              <a:t>Obrigada!!!</a:t>
+            </a:r>
+            <a:endParaRPr lang="pt-BR" sz="28700" dirty="0"/>
+          </a:p>
+        </p:txBody>
+      </p:sp>
+    </p:spTree>
+    <p:extLst>
+      <p:ext uri="{BB962C8B-B14F-4D97-AF65-F5344CB8AC3E}">
+        <p14:creationId xmlns:p14="http://schemas.microsoft.com/office/powerpoint/2010/main" val="1061795584"/>
+      </p:ext>
+    </p:extLst>
+  </p:cSld>
+  <p:clrMapOvr>
+    <a:masterClrMapping/>
+  </p:clrMapOvr>
+</p:sld>
+</file>
+
+<file path=ppt/slides/slide3.xml><?xml version="1.0" encoding="utf-8"?>
+<p:sld xmlns:a="http://schemas.openxmlformats.org/drawingml/2006/main" xmlns:r="http://schemas.openxmlformats.org/officeDocument/2006/relationships" xmlns:p="http://schemas.openxmlformats.org/presentationml/2006/main">
+  <p:cSld>
+    <p:spTree>
+      <p:nvGrpSpPr>
+        <p:cNvPr id="1" name=""/>
+        <p:cNvGrpSpPr/>
+        <p:nvPr/>
+      </p:nvGrpSpPr>
+      <p:grpSpPr>
+        <a:xfrm>
+          <a:off x="0" y="0"/>
+          <a:ext cx="0" cy="0"/>
+          <a:chOff x="0" y="0"/>
+          <a:chExt cx="0" cy="0"/>
+        </a:xfrm>
+      </p:grpSpPr>
+      <p:sp>
+        <p:nvSpPr>
+          <p:cNvPr id="2" name="Título 1">
+            <a:extLst>
+              <a:ext uri="{FF2B5EF4-FFF2-40B4-BE49-F238E27FC236}">
+                <a16:creationId xmlns:a16="http://schemas.microsoft.com/office/drawing/2014/main" id="{9B935A90-E7F9-4F25-83B0-76F48C4A6A99}"/>
+              </a:ext>
+            </a:extLst>
+          </p:cNvPr>
+          <p:cNvSpPr>
+            <a:spLocks noGrp="1"/>
+          </p:cNvSpPr>
+          <p:nvPr>
+            <p:ph type="title"/>
+          </p:nvPr>
+        </p:nvSpPr>
+        <p:spPr/>
+        <p:txBody>
+          <a:bodyPr/>
+          <a:lstStyle/>
+          <a:p>
+            <a:pPr algn="ctr"/>
+            <a:r>
+              <a:rPr lang="pt-BR" dirty="0"/>
+              <a:t>Proposta de solução</a:t>
+            </a:r>
+          </a:p>
+        </p:txBody>
+      </p:sp>
+      <p:sp>
+        <p:nvSpPr>
+          <p:cNvPr id="3" name="Espaço Reservado para Conteúdo 2">
+            <a:extLst>
+              <a:ext uri="{FF2B5EF4-FFF2-40B4-BE49-F238E27FC236}">
+                <a16:creationId xmlns:a16="http://schemas.microsoft.com/office/drawing/2014/main" id="{AA2F709A-8C3C-4A8C-85E0-210179E8F2FB}"/>
+              </a:ext>
+            </a:extLst>
+          </p:cNvPr>
+          <p:cNvSpPr>
+            <a:spLocks noGrp="1"/>
+          </p:cNvSpPr>
+          <p:nvPr>
+            <p:ph idx="1"/>
+          </p:nvPr>
+        </p:nvSpPr>
+        <p:spPr>
+          <a:xfrm>
+            <a:off x="1141412" y="1842052"/>
+            <a:ext cx="9905999" cy="3949149"/>
+          </a:xfrm>
+        </p:spPr>
+        <p:txBody>
+          <a:bodyPr>
+            <a:normAutofit/>
+          </a:bodyPr>
+          <a:lstStyle/>
+          <a:p>
+            <a:pPr marL="0" indent="0" algn="ctr">
+              <a:buNone/>
+            </a:pPr>
+            <a:r>
+              <a:rPr lang="pt-BR" sz="3200" dirty="0"/>
+              <a:t>Desenvolver um </a:t>
+            </a:r>
+            <a:r>
+              <a:rPr lang="pt-BR" sz="3200" b="1" dirty="0"/>
+              <a:t>sistema web integrado de gestão logística</a:t>
+            </a:r>
+            <a:r>
+              <a:rPr lang="pt-BR" sz="3200" dirty="0"/>
+              <a:t>, com foco em modernizar os processos da transportadora, substituindo planilhas e sistemas isolados.</a:t>
+            </a:r>
+          </a:p>
+          <a:p>
+            <a:pPr marL="0" indent="0" algn="ctr">
+              <a:buNone/>
+            </a:pPr>
+            <a:r>
+              <a:rPr lang="pt-BR" sz="3200" dirty="0"/>
+              <a:t>A proposta visa aumentar a </a:t>
+            </a:r>
+            <a:r>
+              <a:rPr lang="pt-BR" sz="3200" b="1" dirty="0"/>
+              <a:t>produtividade</a:t>
+            </a:r>
+            <a:r>
+              <a:rPr lang="pt-BR" sz="3200" dirty="0"/>
+              <a:t>, </a:t>
+            </a:r>
+            <a:r>
+              <a:rPr lang="pt-BR" sz="3200" b="1" dirty="0"/>
+              <a:t>reduzir erros </a:t>
+            </a:r>
+            <a:r>
+              <a:rPr lang="pt-BR" sz="3200" dirty="0"/>
+              <a:t>operacionais e </a:t>
+            </a:r>
+            <a:r>
+              <a:rPr lang="pt-BR" sz="3200" b="1" dirty="0"/>
+              <a:t>melhorar a visibilidade </a:t>
+            </a:r>
+            <a:r>
+              <a:rPr lang="pt-BR" sz="3200" dirty="0"/>
+              <a:t>das operações em tempo real.</a:t>
+            </a:r>
+          </a:p>
+        </p:txBody>
+      </p:sp>
+    </p:spTree>
+    <p:extLst>
+      <p:ext uri="{BB962C8B-B14F-4D97-AF65-F5344CB8AC3E}">
+        <p14:creationId xmlns:p14="http://schemas.microsoft.com/office/powerpoint/2010/main" val="1627129085"/>
+      </p:ext>
+    </p:extLst>
+  </p:cSld>
+  <p:clrMapOvr>
+    <a:masterClrMapping/>
+  </p:clrMapOvr>
+</p:sld>
+</file>
+
+<file path=ppt/slides/slide4.xml><?xml version="1.0" encoding="utf-8"?>
+<p:sld xmlns:a="http://schemas.openxmlformats.org/drawingml/2006/main" xmlns:r="http://schemas.openxmlformats.org/officeDocument/2006/relationships" xmlns:p="http://schemas.openxmlformats.org/presentationml/2006/main">
+  <p:cSld>
+    <p:spTree>
+      <p:nvGrpSpPr>
+        <p:cNvPr id="1" name=""/>
+        <p:cNvGrpSpPr/>
+        <p:nvPr/>
+      </p:nvGrpSpPr>
+      <p:grpSpPr>
+        <a:xfrm>
+          <a:off x="0" y="0"/>
+          <a:ext cx="0" cy="0"/>
+          <a:chOff x="0" y="0"/>
+          <a:chExt cx="0" cy="0"/>
+        </a:xfrm>
+      </p:grpSpPr>
+      <p:sp>
+        <p:nvSpPr>
+          <p:cNvPr id="2" name="Título 1">
+            <a:extLst>
+              <a:ext uri="{FF2B5EF4-FFF2-40B4-BE49-F238E27FC236}">
+                <a16:creationId xmlns:a16="http://schemas.microsoft.com/office/drawing/2014/main" id="{C6636FA1-5B17-4344-A1E2-AB14826C8F8D}"/>
+              </a:ext>
+            </a:extLst>
+          </p:cNvPr>
+          <p:cNvSpPr>
+            <a:spLocks noGrp="1"/>
+          </p:cNvSpPr>
+          <p:nvPr>
+            <p:ph type="title"/>
+          </p:nvPr>
+        </p:nvSpPr>
+        <p:spPr/>
+        <p:txBody>
+          <a:bodyPr/>
+          <a:lstStyle/>
+          <a:p>
+            <a:pPr algn="ctr"/>
+            <a:r>
+              <a:rPr lang="pt-BR" dirty="0"/>
+              <a:t>Proposta de solução</a:t>
+            </a:r>
+          </a:p>
+        </p:txBody>
+      </p:sp>
+      <p:sp>
+        <p:nvSpPr>
+          <p:cNvPr id="3" name="Espaço Reservado para Conteúdo 2">
+            <a:extLst>
+              <a:ext uri="{FF2B5EF4-FFF2-40B4-BE49-F238E27FC236}">
+                <a16:creationId xmlns:a16="http://schemas.microsoft.com/office/drawing/2014/main" id="{A5915FCA-A208-443D-A1B3-36F363D52E6F}"/>
+              </a:ext>
+            </a:extLst>
+          </p:cNvPr>
+          <p:cNvSpPr>
+            <a:spLocks noGrp="1"/>
+          </p:cNvSpPr>
+          <p:nvPr>
+            <p:ph idx="1"/>
+          </p:nvPr>
+        </p:nvSpPr>
+        <p:spPr>
+          <a:xfrm>
+            <a:off x="1141412" y="1828800"/>
+            <a:ext cx="10600014" cy="4770783"/>
+          </a:xfrm>
+        </p:spPr>
+        <p:txBody>
+          <a:bodyPr>
+            <a:normAutofit/>
+          </a:bodyPr>
+          <a:lstStyle/>
+          <a:p>
+            <a:pPr marL="0" indent="0">
+              <a:buNone/>
+            </a:pPr>
+            <a:r>
+              <a:rPr lang="pt-BR" sz="2800" dirty="0"/>
+              <a:t>A solução permitirá:</a:t>
+            </a:r>
+          </a:p>
+          <a:p>
+            <a:pPr marL="0" indent="0">
+              <a:buNone/>
+            </a:pPr>
+            <a:endParaRPr lang="pt-BR" sz="1000" dirty="0"/>
+          </a:p>
+          <a:p>
+            <a:pPr lvl="1"/>
+            <a:r>
+              <a:rPr lang="pt-BR" sz="2800" b="1" dirty="0"/>
+              <a:t>Integração de setores</a:t>
+            </a:r>
+            <a:r>
+              <a:rPr lang="pt-BR" sz="2800" dirty="0"/>
+              <a:t> como frota, pedidos, clientes e motoristas em um único sistema;</a:t>
+            </a:r>
+          </a:p>
+          <a:p>
+            <a:pPr lvl="1"/>
+            <a:r>
+              <a:rPr lang="pt-BR" sz="2800" b="1" dirty="0"/>
+              <a:t>Automatização de processos</a:t>
+            </a:r>
+            <a:r>
+              <a:rPr lang="pt-BR" sz="2800" dirty="0"/>
+              <a:t> manuais, como geração de pedidos, rastreamento e controle de entregas;</a:t>
+            </a:r>
+          </a:p>
+          <a:p>
+            <a:pPr lvl="1"/>
+            <a:r>
+              <a:rPr lang="pt-BR" sz="2800" b="1" dirty="0"/>
+              <a:t>Funcionamento em nuvem</a:t>
+            </a:r>
+            <a:r>
+              <a:rPr lang="pt-BR" sz="2800" dirty="0"/>
+              <a:t>, reduzindo dependência de servidores locais e exigências de infraestrutura complexa;</a:t>
+            </a:r>
+          </a:p>
+        </p:txBody>
+      </p:sp>
+    </p:spTree>
+    <p:extLst>
+      <p:ext uri="{BB962C8B-B14F-4D97-AF65-F5344CB8AC3E}">
+        <p14:creationId xmlns:p14="http://schemas.microsoft.com/office/powerpoint/2010/main" val="1724105581"/>
+      </p:ext>
+    </p:extLst>
+  </p:cSld>
+  <p:clrMapOvr>
+    <a:masterClrMapping/>
+  </p:clrMapOvr>
+</p:sld>
+</file>
+
+<file path=ppt/slides/slide5.xml><?xml version="1.0" encoding="utf-8"?>
 <p:sld xmlns:a="http://schemas.openxmlformats.org/drawingml/2006/main" xmlns:r="http://schemas.openxmlformats.org/officeDocument/2006/relationships" xmlns:p="http://schemas.openxmlformats.org/presentationml/2006/main">
   <p:cSld>
     <p:spTree>
@@ -14624,10 +14308,17 @@
             <a:off x="1141410" y="2249486"/>
             <a:ext cx="4878389" cy="3989996"/>
           </a:xfrm>
+          <a:ln>
+            <a:solidFill>
+              <a:schemeClr val="tx1">
+                <a:lumMod val="95000"/>
+              </a:schemeClr>
+            </a:solidFill>
+          </a:ln>
         </p:spPr>
         <p:txBody>
           <a:bodyPr>
-            <a:normAutofit fontScale="92500" lnSpcReduction="10000"/>
+            <a:normAutofit lnSpcReduction="10000"/>
           </a:bodyPr>
           <a:lstStyle/>
           <a:p>
@@ -14640,7 +14331,7 @@
             </a:r>
             <a:r>
               <a:rPr lang="pt-BR" dirty="0"/>
-              <a:t>Cliente, Motorista, Pedido, Entrega </a:t>
+              <a:t>Cliente, Motorista, Pedido, Entrega;</a:t>
             </a:r>
           </a:p>
           <a:p>
@@ -14648,35 +14339,39 @@
               <a:buNone/>
             </a:pPr>
             <a:r>
-              <a:rPr lang="pt-BR" dirty="0"/>
-              <a:t> Relacionamentos:</a:t>
-            </a:r>
-          </a:p>
-          <a:p>
-            <a:r>
-              <a:rPr lang="pt-BR" dirty="0"/>
-              <a:t>Cliente realiza Pedido </a:t>
-            </a:r>
-          </a:p>
-          <a:p>
-            <a:pPr marL="0" indent="0">
+              <a:rPr lang="pt-BR" b="1" dirty="0"/>
+              <a:t>Relacionamentos:</a:t>
+            </a:r>
+          </a:p>
+          <a:p>
+            <a:pPr lvl="1"/>
+            <a:r>
+              <a:rPr lang="pt-BR" sz="2400" dirty="0"/>
+              <a:t>Cliente realiza Pedido;</a:t>
+            </a:r>
+          </a:p>
+          <a:p>
+            <a:pPr marL="457200" lvl="1" indent="0">
               <a:buNone/>
             </a:pPr>
-            <a:endParaRPr lang="pt-BR" dirty="0"/>
-          </a:p>
-          <a:p>
-            <a:r>
-              <a:rPr lang="pt-BR" dirty="0"/>
-              <a:t>Pedido gera Entrega </a:t>
-            </a:r>
-          </a:p>
-          <a:p>
-            <a:endParaRPr lang="pt-BR" dirty="0"/>
-          </a:p>
-          <a:p>
-            <a:r>
-              <a:rPr lang="pt-BR" dirty="0"/>
-              <a:t>Entrega é feita por Motorista</a:t>
+            <a:endParaRPr lang="pt-BR" sz="2400" dirty="0"/>
+          </a:p>
+          <a:p>
+            <a:pPr lvl="1"/>
+            <a:r>
+              <a:rPr lang="pt-BR" sz="2400" dirty="0"/>
+              <a:t>Pedido gera Entrega;</a:t>
+            </a:r>
+          </a:p>
+          <a:p>
+            <a:pPr lvl="1"/>
+            <a:endParaRPr lang="pt-BR" sz="2400" dirty="0"/>
+          </a:p>
+          <a:p>
+            <a:pPr lvl="1"/>
+            <a:r>
+              <a:rPr lang="pt-BR" sz="2400" dirty="0"/>
+              <a:t>Entrega é feita por Motorista;</a:t>
             </a:r>
           </a:p>
         </p:txBody>
@@ -14702,10 +14397,15 @@
             <a:off x="6172200" y="2249486"/>
             <a:ext cx="4875211" cy="3989996"/>
           </a:xfrm>
+          <a:ln>
+            <a:solidFill>
+              <a:schemeClr val="tx1"/>
+            </a:solidFill>
+          </a:ln>
         </p:spPr>
         <p:txBody>
           <a:bodyPr>
-            <a:normAutofit fontScale="92500" lnSpcReduction="10000"/>
+            <a:normAutofit lnSpcReduction="10000"/>
           </a:bodyPr>
           <a:lstStyle/>
           <a:p>
@@ -14718,43 +14418,47 @@
             </a:r>
           </a:p>
           <a:p>
-            <a:r>
-              <a:rPr lang="pt-BR" dirty="0"/>
+            <a:pPr lvl="1"/>
+            <a:r>
+              <a:rPr lang="pt-BR" sz="2200" dirty="0"/>
               <a:t>Cliente: nome, CPF/CNPJ, </a:t>
             </a:r>
             <a:r>
-              <a:rPr lang="pt-BR" dirty="0" err="1"/>
+              <a:rPr lang="pt-BR" sz="2200" dirty="0" err="1"/>
               <a:t>email</a:t>
             </a:r>
             <a:r>
-              <a:rPr lang="pt-BR" dirty="0"/>
-              <a:t>, tipo, status </a:t>
-            </a:r>
-          </a:p>
-          <a:p>
-            <a:r>
-              <a:rPr lang="pt-BR" dirty="0"/>
-              <a:t>Motorista: CNH, categoria, validade, contato </a:t>
-            </a:r>
-          </a:p>
-          <a:p>
-            <a:r>
-              <a:rPr lang="pt-BR" dirty="0"/>
-              <a:t> Pedido: valor, status, forma de pagamento </a:t>
-            </a:r>
-          </a:p>
-          <a:p>
-            <a:r>
-              <a:rPr lang="pt-BR" dirty="0"/>
+              <a:rPr lang="pt-BR" sz="2200" dirty="0"/>
+              <a:t>, tipo, status;</a:t>
+            </a:r>
+          </a:p>
+          <a:p>
+            <a:pPr lvl="1"/>
+            <a:r>
+              <a:rPr lang="pt-BR" sz="2200" dirty="0"/>
+              <a:t>Motorista: CNH, categoria, validade, contato;</a:t>
+            </a:r>
+          </a:p>
+          <a:p>
+            <a:pPr lvl="1"/>
+            <a:r>
+              <a:rPr lang="pt-BR" sz="2200" dirty="0"/>
+              <a:t> Pedido: valor, status, forma de pagamento;</a:t>
+            </a:r>
+          </a:p>
+          <a:p>
+            <a:pPr lvl="1"/>
+            <a:r>
+              <a:rPr lang="pt-BR" sz="2200" dirty="0"/>
               <a:t>Entrega: </a:t>
             </a:r>
             <a:r>
-              <a:rPr lang="pt-BR" dirty="0" err="1"/>
+              <a:rPr lang="pt-BR" sz="2200" dirty="0" err="1"/>
               <a:t>CTe</a:t>
             </a:r>
             <a:r>
-              <a:rPr lang="pt-BR" dirty="0"/>
-              <a:t>, datas, status, motorista vinculado </a:t>
+              <a:rPr lang="pt-BR" sz="2200" dirty="0"/>
+              <a:t>, datas, status, motorista vinculado;</a:t>
             </a:r>
           </a:p>
         </p:txBody>
@@ -14763,6 +14467,124 @@
     <p:extLst>
       <p:ext uri="{BB962C8B-B14F-4D97-AF65-F5344CB8AC3E}">
         <p14:creationId xmlns:p14="http://schemas.microsoft.com/office/powerpoint/2010/main" val="1728239637"/>
+      </p:ext>
+    </p:extLst>
+  </p:cSld>
+  <p:clrMapOvr>
+    <a:masterClrMapping/>
+  </p:clrMapOvr>
+</p:sld>
+</file>
+
+<file path=ppt/slides/slide6.xml><?xml version="1.0" encoding="utf-8"?>
+<p:sld xmlns:a="http://schemas.openxmlformats.org/drawingml/2006/main" xmlns:r="http://schemas.openxmlformats.org/officeDocument/2006/relationships" xmlns:p="http://schemas.openxmlformats.org/presentationml/2006/main">
+  <p:cSld>
+    <p:spTree>
+      <p:nvGrpSpPr>
+        <p:cNvPr id="1" name=""/>
+        <p:cNvGrpSpPr/>
+        <p:nvPr/>
+      </p:nvGrpSpPr>
+      <p:grpSpPr>
+        <a:xfrm>
+          <a:off x="0" y="0"/>
+          <a:ext cx="0" cy="0"/>
+          <a:chOff x="0" y="0"/>
+          <a:chExt cx="0" cy="0"/>
+        </a:xfrm>
+      </p:grpSpPr>
+      <p:sp>
+        <p:nvSpPr>
+          <p:cNvPr id="2" name="Título 1">
+            <a:extLst>
+              <a:ext uri="{FF2B5EF4-FFF2-40B4-BE49-F238E27FC236}">
+                <a16:creationId xmlns:a16="http://schemas.microsoft.com/office/drawing/2014/main" id="{C94D2E5B-6D00-46D8-9523-166122A9B38E}"/>
+              </a:ext>
+            </a:extLst>
+          </p:cNvPr>
+          <p:cNvSpPr>
+            <a:spLocks noGrp="1"/>
+          </p:cNvSpPr>
+          <p:nvPr>
+            <p:ph type="title"/>
+          </p:nvPr>
+        </p:nvSpPr>
+        <p:spPr/>
+        <p:txBody>
+          <a:bodyPr/>
+          <a:lstStyle/>
+          <a:p>
+            <a:pPr algn="ctr"/>
+            <a:r>
+              <a:rPr lang="pt-BR" dirty="0"/>
+              <a:t>Modelagem Entidade-Relacionamento (Lógico)</a:t>
+            </a:r>
+          </a:p>
+        </p:txBody>
+      </p:sp>
+      <p:sp>
+        <p:nvSpPr>
+          <p:cNvPr id="3" name="Espaço Reservado para Conteúdo 2">
+            <a:extLst>
+              <a:ext uri="{FF2B5EF4-FFF2-40B4-BE49-F238E27FC236}">
+                <a16:creationId xmlns:a16="http://schemas.microsoft.com/office/drawing/2014/main" id="{28EC96F5-4202-4A37-948F-CE8F53D9689E}"/>
+              </a:ext>
+            </a:extLst>
+          </p:cNvPr>
+          <p:cNvSpPr>
+            <a:spLocks noGrp="1"/>
+          </p:cNvSpPr>
+          <p:nvPr>
+            <p:ph idx="1"/>
+          </p:nvPr>
+        </p:nvSpPr>
+        <p:spPr>
+          <a:xfrm>
+            <a:off x="1141412" y="2097088"/>
+            <a:ext cx="9905999" cy="4343469"/>
+          </a:xfrm>
+        </p:spPr>
+        <p:txBody>
+          <a:bodyPr>
+            <a:noAutofit/>
+          </a:bodyPr>
+          <a:lstStyle/>
+          <a:p>
+            <a:r>
+              <a:rPr lang="pt-BR" sz="2800" dirty="0"/>
+              <a:t>Modelo Lógico (MySQL): </a:t>
+            </a:r>
+          </a:p>
+          <a:p>
+            <a:r>
+              <a:rPr lang="pt-BR" sz="2800" dirty="0"/>
+              <a:t>Tabelas com chave primária (id_*);</a:t>
+            </a:r>
+          </a:p>
+          <a:p>
+            <a:r>
+              <a:rPr lang="pt-BR" sz="2800" dirty="0"/>
+              <a:t>Chaves estrangeiras para manter integridade referencial;</a:t>
+            </a:r>
+          </a:p>
+          <a:p>
+            <a:r>
+              <a:rPr lang="pt-BR" sz="2800" dirty="0"/>
+              <a:t>Tipos de dados definidos conforme necessidade (VARCHAR, DATE, DECIMAL);</a:t>
+            </a:r>
+          </a:p>
+          <a:p>
+            <a:r>
+              <a:rPr lang="pt-BR" sz="2800" dirty="0"/>
+              <a:t>Tabela Cliente e Motorista separadas (mas unificadas na interface do sistema);</a:t>
+            </a:r>
+          </a:p>
+        </p:txBody>
+      </p:sp>
+    </p:spTree>
+    <p:extLst>
+      <p:ext uri="{BB962C8B-B14F-4D97-AF65-F5344CB8AC3E}">
+        <p14:creationId xmlns:p14="http://schemas.microsoft.com/office/powerpoint/2010/main" val="10808983"/>
       </p:ext>
     </p:extLst>
   </p:cSld>
@@ -14858,21 +14680,21 @@
             <a:pPr lvl="1"/>
             <a:r>
               <a:rPr lang="pt-BR" sz="2400" dirty="0"/>
-              <a:t>Cliente, Motorista, Pedido, Entrega o </a:t>
+              <a:t>Cliente, Motorista, Pedido, Entrega;</a:t>
             </a:r>
           </a:p>
           <a:p>
             <a:pPr lvl="1"/>
             <a:r>
               <a:rPr lang="pt-BR" sz="2400" dirty="0"/>
-              <a:t>Atributos refletem colunas do banco </a:t>
+              <a:t>Atributos refletem colunas do banco;</a:t>
             </a:r>
           </a:p>
           <a:p>
             <a:pPr marL="457200" lvl="1" indent="0">
               <a:buNone/>
             </a:pPr>
-            <a:endParaRPr lang="pt-BR" sz="2400" dirty="0"/>
+            <a:endParaRPr lang="pt-BR" sz="1000" dirty="0"/>
           </a:p>
           <a:p>
             <a:pPr marL="0" indent="0">
@@ -14895,7 +14717,7 @@
             </a:r>
             <a:r>
               <a:rPr lang="pt-BR" sz="2400" dirty="0"/>
-              <a:t> </a:t>
+              <a:t>;</a:t>
             </a:r>
           </a:p>
           <a:p>
@@ -14910,7 +14732,7 @@
             </a:r>
             <a:r>
               <a:rPr lang="pt-BR" sz="2400" dirty="0"/>
-              <a:t> </a:t>
+              <a:t>;</a:t>
             </a:r>
           </a:p>
           <a:p>
@@ -14925,7 +14747,7 @@
             </a:r>
             <a:r>
               <a:rPr lang="pt-BR" sz="2400" dirty="0"/>
-              <a:t> </a:t>
+              <a:t>;</a:t>
             </a:r>
           </a:p>
         </p:txBody>
@@ -15007,52 +14829,73 @@
         </p:nvSpPr>
         <p:spPr>
           <a:xfrm>
-            <a:off x="1141413" y="1749287"/>
-            <a:ext cx="9905998" cy="4041914"/>
+            <a:off x="1141412" y="1749286"/>
+            <a:ext cx="10109683" cy="4174435"/>
           </a:xfrm>
         </p:spPr>
         <p:txBody>
           <a:bodyPr>
-            <a:normAutofit lnSpcReduction="10000"/>
+            <a:normAutofit/>
           </a:bodyPr>
           <a:lstStyle/>
           <a:p>
             <a:r>
-              <a:rPr lang="pt-BR" sz="2800" dirty="0">
-                <a:latin typeface="Arial" panose="020B0604020202020204" pitchFamily="34" charset="0"/>
+              <a:rPr lang="pt-BR" sz="2800" b="1" dirty="0">
+                <a:latin typeface="+mj-lt"/>
                 <a:cs typeface="Arial" panose="020B0604020202020204" pitchFamily="34" charset="0"/>
               </a:rPr>
-              <a:t>Cliente: Realiza Pedido ——&gt; Acompanha a Entrega </a:t>
+              <a:t>Cliente:</a:t>
+            </a:r>
+            <a:r>
+              <a:rPr lang="pt-BR" sz="2800" dirty="0">
+                <a:latin typeface="+mj-lt"/>
+                <a:cs typeface="Arial" panose="020B0604020202020204" pitchFamily="34" charset="0"/>
+              </a:rPr>
+              <a:t> Realiza Pedido ——&gt; Acompanha a Entrega; </a:t>
             </a:r>
           </a:p>
           <a:p>
             <a:endParaRPr lang="pt-BR" sz="2800" dirty="0">
-              <a:latin typeface="Arial" panose="020B0604020202020204" pitchFamily="34" charset="0"/>
+              <a:latin typeface="+mj-lt"/>
               <a:cs typeface="Arial" panose="020B0604020202020204" pitchFamily="34" charset="0"/>
             </a:endParaRPr>
           </a:p>
           <a:p>
             <a:r>
-              <a:rPr lang="pt-BR" sz="2800" dirty="0">
-                <a:latin typeface="Arial" panose="020B0604020202020204" pitchFamily="34" charset="0"/>
+              <a:rPr lang="pt-BR" sz="2800" b="1" dirty="0">
+                <a:latin typeface="+mj-lt"/>
                 <a:cs typeface="Arial" panose="020B0604020202020204" pitchFamily="34" charset="0"/>
               </a:rPr>
-              <a:t>Gerente: Calcula Impostos ——&gt;Emite a Nota Fiscal ——&gt; Gerencia Rotas ——&gt; Gerencia Veículos</a:t>
+              <a:t>Gerente: </a:t>
+            </a:r>
+            <a:r>
+              <a:rPr lang="pt-BR" sz="2800" dirty="0">
+                <a:latin typeface="+mj-lt"/>
+                <a:cs typeface="Arial" panose="020B0604020202020204" pitchFamily="34" charset="0"/>
+              </a:rPr>
+              <a:t>Calcula Impostos ——&gt;Emite a Nota Fiscal ——&gt; Gerencia Rotas ——&gt; Gerencia Veículos;</a:t>
             </a:r>
           </a:p>
           <a:p>
             <a:endParaRPr lang="pt-BR" sz="2800" dirty="0">
-              <a:latin typeface="Arial" panose="020B0604020202020204" pitchFamily="34" charset="0"/>
+              <a:latin typeface="+mj-lt"/>
               <a:cs typeface="Arial" panose="020B0604020202020204" pitchFamily="34" charset="0"/>
             </a:endParaRPr>
           </a:p>
           <a:p>
             <a:r>
-              <a:rPr lang="pt-BR" sz="2800" dirty="0">
-                <a:latin typeface="Arial" panose="020B0604020202020204" pitchFamily="34" charset="0"/>
+              <a:rPr lang="pt-BR" sz="2800" b="1" dirty="0">
+                <a:latin typeface="+mj-lt"/>
                 <a:cs typeface="Arial" panose="020B0604020202020204" pitchFamily="34" charset="0"/>
               </a:rPr>
-              <a:t>Motorista: Atualiza Status de Entrega ( local, hora de saída) ——&gt; Rota/Destino</a:t>
+              <a:t>Motorista:</a:t>
+            </a:r>
+            <a:r>
+              <a:rPr lang="pt-BR" sz="2800" dirty="0">
+                <a:latin typeface="+mj-lt"/>
+                <a:cs typeface="Arial" panose="020B0604020202020204" pitchFamily="34" charset="0"/>
+              </a:rPr>
+              <a:t> Atualiza Status de Entrega ( local, hora de saída) ——&gt; Rota/Destino;</a:t>
             </a:r>
           </a:p>
         </p:txBody>
@@ -15135,7 +14978,7 @@
         <p:spPr>
           <a:xfrm>
             <a:off x="1141412" y="2249486"/>
-            <a:ext cx="9905999" cy="4164565"/>
+            <a:ext cx="10162692" cy="4164565"/>
           </a:xfrm>
         </p:spPr>
         <p:txBody>
@@ -15143,14 +14986,17 @@
           <a:lstStyle/>
           <a:p>
             <a:r>
-              <a:rPr lang="pt-BR" dirty="0"/>
-              <a:t>Tranportadora recebe o Pedido  ——&gt; Estoque é verificado ——&gt; Estoque Disponível (Sim) ——&gt; Produto é separado ——&gt;  NF é Emitida  ——&gt; Produto é separado ——&gt; Produto entregue (Final)</a:t>
-            </a:r>
-          </a:p>
-          <a:p>
-            <a:r>
-              <a:rPr lang="pt-BR" dirty="0"/>
-              <a:t>Caso Produto em Falta ——&gt; Cliente Notificado</a:t>
+              <a:rPr lang="pt-BR" sz="2800" dirty="0"/>
+              <a:t>Tranportadora recebe o Pedido  ——&gt; Estoque é verificado ——&gt; Estoque Disponível (Sim) ——&gt; Produto é separado ——&gt;  NF é Emitida  ——&gt; Produto é separado ——&gt; Produto entregue (Final);</a:t>
+            </a:r>
+          </a:p>
+          <a:p>
+            <a:endParaRPr lang="pt-BR" sz="2800" dirty="0"/>
+          </a:p>
+          <a:p>
+            <a:r>
+              <a:rPr lang="pt-BR" sz="2800" dirty="0"/>
+              <a:t>Caso Produto em Falta ——&gt; Cliente Notificado;</a:t>
             </a:r>
           </a:p>
           <a:p>
@@ -15158,36 +15004,6 @@
           </a:p>
         </p:txBody>
       </p:sp>
-      <p:pic>
-        <p:nvPicPr>
-          <p:cNvPr id="5" name="Imagem 4">
-            <a:extLst>
-              <a:ext uri="{FF2B5EF4-FFF2-40B4-BE49-F238E27FC236}">
-                <a16:creationId xmlns:a16="http://schemas.microsoft.com/office/drawing/2014/main" id="{B10DFE58-6BD3-6668-74CC-831860CD8D68}"/>
-              </a:ext>
-            </a:extLst>
-          </p:cNvPr>
-          <p:cNvPicPr>
-            <a:picLocks noChangeAspect="1"/>
-          </p:cNvPicPr>
-          <p:nvPr/>
-        </p:nvPicPr>
-        <p:blipFill>
-          <a:blip r:embed="rId2"/>
-          <a:stretch>
-            <a:fillRect/>
-          </a:stretch>
-        </p:blipFill>
-        <p:spPr>
-          <a:xfrm>
-            <a:off x="7989458" y="3235854"/>
-            <a:ext cx="3433915" cy="3568944"/>
-          </a:xfrm>
-          <a:prstGeom prst="rect">
-            <a:avLst/>
-          </a:prstGeom>
-        </p:spPr>
-      </p:pic>
     </p:spTree>
     <p:extLst>
       <p:ext uri="{BB962C8B-B14F-4D97-AF65-F5344CB8AC3E}">
